--- a/JameyJohnston_CodeLikeASnakeCharmer-Intro to Python_20171002.pptx
+++ b/JameyJohnston_CodeLikeASnakeCharmer-Intro to Python_20171002.pptx
@@ -202,1983 +202,42 @@
 </p:cmAuthorLst>
 </file>
 
+<file path=ppt/revisionInfo.xml><?xml version="1.0" encoding="utf-8"?>
+<p1510:revInfo xmlns:a="http://schemas.openxmlformats.org/drawingml/2006/main" xmlns:r="http://schemas.openxmlformats.org/officeDocument/2006/relationships" xmlns:p1510="http://schemas.microsoft.com/office/powerpoint/2015/10/main">
+  <p1510:revLst>
+    <p1510:client id="{7A5A4516-421D-4DAA-A89B-53ACACC78F29}" v="18" dt="2018-08-11T17:51:18.725"/>
+  </p1510:revLst>
+</p1510:revInfo>
+</file>
+
 <file path=ppt/changesInfos/changesInfo1.xml><?xml version="1.0" encoding="utf-8"?>
 <pc:chgInfo xmlns:a="http://schemas.openxmlformats.org/drawingml/2006/main" xmlns:r="http://schemas.openxmlformats.org/officeDocument/2006/relationships" xmlns:ac="http://schemas.microsoft.com/office/drawing/2013/main/command" xmlns:pc="http://schemas.microsoft.com/office/powerpoint/2013/main/command">
   <pc:docChgLst>
-    <pc:chgData name="Jamey Johnston" userId="4930901e9435c751" providerId="LiveId" clId="{CA6972B3-6DC2-4218-9A9D-A9AF57148494}"/>
-    <pc:docChg chg="undo redo custSel addSld delSld modSld sldOrd">
-      <pc:chgData name="Jamey Johnston" userId="4930901e9435c751" providerId="LiveId" clId="{CA6972B3-6DC2-4218-9A9D-A9AF57148494}" dt="2017-11-03T18:48:08.117" v="7651" actId="20577"/>
+    <pc:chgData name="Jamey Johnston" userId="4930901e9435c751" providerId="LiveId" clId="{7A5A4516-421D-4DAA-A89B-53ACACC78F29}"/>
+    <pc:docChg chg="modSld">
+      <pc:chgData name="Jamey Johnston" userId="4930901e9435c751" providerId="LiveId" clId="{7A5A4516-421D-4DAA-A89B-53ACACC78F29}" dt="2018-08-11T17:51:18.725" v="17" actId="404"/>
       <pc:docMkLst>
         <pc:docMk/>
       </pc:docMkLst>
-      <pc:sldChg chg="del">
-        <pc:chgData name="Jamey Johnston" userId="4930901e9435c751" providerId="LiveId" clId="{CA6972B3-6DC2-4218-9A9D-A9AF57148494}" dt="2017-10-02T18:28:29.300" v="4610" actId="2696"/>
-        <pc:sldMkLst>
-          <pc:docMk/>
-          <pc:sldMk cId="1855646181" sldId="294"/>
-        </pc:sldMkLst>
-      </pc:sldChg>
       <pc:sldChg chg="modSp">
-        <pc:chgData name="Jamey Johnston" userId="4930901e9435c751" providerId="LiveId" clId="{CA6972B3-6DC2-4218-9A9D-A9AF57148494}" dt="2017-10-02T18:27:53.793" v="4600" actId="20577"/>
-        <pc:sldMkLst>
-          <pc:docMk/>
-          <pc:sldMk cId="2474421074" sldId="295"/>
-        </pc:sldMkLst>
-        <pc:spChg chg="mod">
-          <ac:chgData name="Jamey Johnston" userId="4930901e9435c751" providerId="LiveId" clId="{CA6972B3-6DC2-4218-9A9D-A9AF57148494}" dt="2017-10-02T18:27:53.793" v="4600" actId="20577"/>
-          <ac:spMkLst>
-            <pc:docMk/>
-            <pc:sldMk cId="2474421074" sldId="295"/>
-            <ac:spMk id="7" creationId="{00000000-0000-0000-0000-000000000000}"/>
-          </ac:spMkLst>
-        </pc:spChg>
-      </pc:sldChg>
-      <pc:sldChg chg="modSp">
-        <pc:chgData name="Jamey Johnston" userId="4930901e9435c751" providerId="LiveId" clId="{CA6972B3-6DC2-4218-9A9D-A9AF57148494}" dt="2017-10-02T20:15:42.486" v="6337" actId="313"/>
-        <pc:sldMkLst>
-          <pc:docMk/>
-          <pc:sldMk cId="2079728015" sldId="296"/>
-        </pc:sldMkLst>
-        <pc:spChg chg="mod">
-          <ac:chgData name="Jamey Johnston" userId="4930901e9435c751" providerId="LiveId" clId="{CA6972B3-6DC2-4218-9A9D-A9AF57148494}" dt="2017-10-02T20:15:42.486" v="6337" actId="313"/>
-          <ac:spMkLst>
-            <pc:docMk/>
-            <pc:sldMk cId="2079728015" sldId="296"/>
-            <ac:spMk id="47" creationId="{00000000-0000-0000-0000-000000000000}"/>
-          </ac:spMkLst>
-        </pc:spChg>
-      </pc:sldChg>
-      <pc:sldChg chg="del">
-        <pc:chgData name="Jamey Johnston" userId="4930901e9435c751" providerId="LiveId" clId="{CA6972B3-6DC2-4218-9A9D-A9AF57148494}" dt="2017-10-02T18:28:15.236" v="4603" actId="2696"/>
-        <pc:sldMkLst>
-          <pc:docMk/>
-          <pc:sldMk cId="2368002616" sldId="297"/>
-        </pc:sldMkLst>
-      </pc:sldChg>
-      <pc:sldChg chg="del">
-        <pc:chgData name="Jamey Johnston" userId="4930901e9435c751" providerId="LiveId" clId="{CA6972B3-6DC2-4218-9A9D-A9AF57148494}" dt="2017-10-02T18:28:15.267" v="4605" actId="2696"/>
-        <pc:sldMkLst>
-          <pc:docMk/>
-          <pc:sldMk cId="200595087" sldId="299"/>
-        </pc:sldMkLst>
-      </pc:sldChg>
-      <pc:sldChg chg="del">
-        <pc:chgData name="Jamey Johnston" userId="4930901e9435c751" providerId="LiveId" clId="{CA6972B3-6DC2-4218-9A9D-A9AF57148494}" dt="2017-10-02T18:28:15.283" v="4606" actId="2696"/>
-        <pc:sldMkLst>
-          <pc:docMk/>
-          <pc:sldMk cId="574922863" sldId="303"/>
-        </pc:sldMkLst>
-      </pc:sldChg>
-      <pc:sldChg chg="modSp">
-        <pc:chgData name="Jamey Johnston" userId="4930901e9435c751" providerId="LiveId" clId="{CA6972B3-6DC2-4218-9A9D-A9AF57148494}" dt="2017-10-02T15:35:07.263" v="3241" actId="6549"/>
-        <pc:sldMkLst>
-          <pc:docMk/>
-          <pc:sldMk cId="2128224400" sldId="304"/>
-        </pc:sldMkLst>
-        <pc:spChg chg="mod">
-          <ac:chgData name="Jamey Johnston" userId="4930901e9435c751" providerId="LiveId" clId="{CA6972B3-6DC2-4218-9A9D-A9AF57148494}" dt="2017-10-02T15:35:07.263" v="3241" actId="6549"/>
-          <ac:spMkLst>
-            <pc:docMk/>
-            <pc:sldMk cId="2128224400" sldId="304"/>
-            <ac:spMk id="4" creationId="{00000000-0000-0000-0000-000000000000}"/>
-          </ac:spMkLst>
-        </pc:spChg>
-      </pc:sldChg>
-      <pc:sldChg chg="del">
-        <pc:chgData name="Jamey Johnston" userId="4930901e9435c751" providerId="LiveId" clId="{CA6972B3-6DC2-4218-9A9D-A9AF57148494}" dt="2017-10-02T18:28:18.774" v="4608" actId="2696"/>
-        <pc:sldMkLst>
-          <pc:docMk/>
-          <pc:sldMk cId="3633306885" sldId="305"/>
-        </pc:sldMkLst>
-      </pc:sldChg>
-      <pc:sldChg chg="del">
-        <pc:chgData name="Jamey Johnston" userId="4930901e9435c751" providerId="LiveId" clId="{CA6972B3-6DC2-4218-9A9D-A9AF57148494}" dt="2017-10-02T18:28:18.805" v="4609" actId="2696"/>
-        <pc:sldMkLst>
-          <pc:docMk/>
-          <pc:sldMk cId="445045094" sldId="306"/>
-        </pc:sldMkLst>
-      </pc:sldChg>
-      <pc:sldChg chg="addSp modSp">
-        <pc:chgData name="Jamey Johnston" userId="4930901e9435c751" providerId="LiveId" clId="{CA6972B3-6DC2-4218-9A9D-A9AF57148494}" dt="2017-11-03T18:45:16.861" v="7624" actId="20577"/>
-        <pc:sldMkLst>
-          <pc:docMk/>
-          <pc:sldMk cId="1515512664" sldId="310"/>
-        </pc:sldMkLst>
-        <pc:spChg chg="add mod">
-          <ac:chgData name="Jamey Johnston" userId="4930901e9435c751" providerId="LiveId" clId="{CA6972B3-6DC2-4218-9A9D-A9AF57148494}" dt="2017-11-03T18:44:12.755" v="7568" actId="20577"/>
-          <ac:spMkLst>
-            <pc:docMk/>
-            <pc:sldMk cId="1515512664" sldId="310"/>
-            <ac:spMk id="24" creationId="{33FE07B7-1FA7-437C-93E9-63CCF2152B10}"/>
-          </ac:spMkLst>
-        </pc:spChg>
-        <pc:spChg chg="add mod">
-          <ac:chgData name="Jamey Johnston" userId="4930901e9435c751" providerId="LiveId" clId="{CA6972B3-6DC2-4218-9A9D-A9AF57148494}" dt="2017-11-03T18:45:16.861" v="7624" actId="20577"/>
-          <ac:spMkLst>
-            <pc:docMk/>
-            <pc:sldMk cId="1515512664" sldId="310"/>
-            <ac:spMk id="25" creationId="{0277C7EA-5134-4ADD-90D1-1111B90D7EBA}"/>
-          </ac:spMkLst>
-        </pc:spChg>
-        <pc:spChg chg="mod">
-          <ac:chgData name="Jamey Johnston" userId="4930901e9435c751" providerId="LiveId" clId="{CA6972B3-6DC2-4218-9A9D-A9AF57148494}" dt="2017-09-27T21:40:38.982" v="7" actId="20577"/>
-          <ac:spMkLst>
-            <pc:docMk/>
-            <pc:sldMk cId="1515512664" sldId="310"/>
-            <ac:spMk id="150" creationId="{00000000-0000-0000-0000-000000000000}"/>
-          </ac:spMkLst>
-        </pc:spChg>
-      </pc:sldChg>
-      <pc:sldChg chg="del">
-        <pc:chgData name="Jamey Johnston" userId="4930901e9435c751" providerId="LiveId" clId="{CA6972B3-6DC2-4218-9A9D-A9AF57148494}" dt="2017-10-02T18:28:15.220" v="4602" actId="2696"/>
-        <pc:sldMkLst>
-          <pc:docMk/>
-          <pc:sldMk cId="486348467" sldId="312"/>
-        </pc:sldMkLst>
-      </pc:sldChg>
-      <pc:sldChg chg="del">
-        <pc:chgData name="Jamey Johnston" userId="4930901e9435c751" providerId="LiveId" clId="{CA6972B3-6DC2-4218-9A9D-A9AF57148494}" dt="2017-10-02T18:28:15.267" v="4604" actId="2696"/>
-        <pc:sldMkLst>
-          <pc:docMk/>
-          <pc:sldMk cId="534920367" sldId="314"/>
-        </pc:sldMkLst>
-      </pc:sldChg>
-      <pc:sldChg chg="modSp">
-        <pc:chgData name="Jamey Johnston" userId="4930901e9435c751" providerId="LiveId" clId="{CA6972B3-6DC2-4218-9A9D-A9AF57148494}" dt="2017-10-02T15:31:02.473" v="3030" actId="1036"/>
-        <pc:sldMkLst>
-          <pc:docMk/>
-          <pc:sldMk cId="1690938764" sldId="321"/>
-        </pc:sldMkLst>
-        <pc:spChg chg="mod">
-          <ac:chgData name="Jamey Johnston" userId="4930901e9435c751" providerId="LiveId" clId="{CA6972B3-6DC2-4218-9A9D-A9AF57148494}" dt="2017-10-02T15:31:02.473" v="3030" actId="1036"/>
-          <ac:spMkLst>
-            <pc:docMk/>
-            <pc:sldMk cId="1690938764" sldId="321"/>
-            <ac:spMk id="4" creationId="{00000000-0000-0000-0000-000000000000}"/>
-          </ac:spMkLst>
-        </pc:spChg>
-      </pc:sldChg>
-      <pc:sldChg chg="addSp delSp modSp">
-        <pc:chgData name="Jamey Johnston" userId="4930901e9435c751" providerId="LiveId" clId="{CA6972B3-6DC2-4218-9A9D-A9AF57148494}" dt="2017-10-02T18:20:30.601" v="4488" actId="20577"/>
-        <pc:sldMkLst>
-          <pc:docMk/>
-          <pc:sldMk cId="3946690787" sldId="322"/>
-        </pc:sldMkLst>
-        <pc:spChg chg="mod">
-          <ac:chgData name="Jamey Johnston" userId="4930901e9435c751" providerId="LiveId" clId="{CA6972B3-6DC2-4218-9A9D-A9AF57148494}" dt="2017-10-02T18:11:34.213" v="4152" actId="20577"/>
-          <ac:spMkLst>
-            <pc:docMk/>
-            <pc:sldMk cId="3946690787" sldId="322"/>
-            <ac:spMk id="38" creationId="{00000000-0000-0000-0000-000000000000}"/>
-          </ac:spMkLst>
-        </pc:spChg>
-        <pc:spChg chg="mod">
-          <ac:chgData name="Jamey Johnston" userId="4930901e9435c751" providerId="LiveId" clId="{CA6972B3-6DC2-4218-9A9D-A9AF57148494}" dt="2017-10-02T18:20:30.601" v="4488" actId="20577"/>
-          <ac:spMkLst>
-            <pc:docMk/>
-            <pc:sldMk cId="3946690787" sldId="322"/>
-            <ac:spMk id="46" creationId="{00000000-0000-0000-0000-000000000000}"/>
-          </ac:spMkLst>
-        </pc:spChg>
-        <pc:spChg chg="mod">
-          <ac:chgData name="Jamey Johnston" userId="4930901e9435c751" providerId="LiveId" clId="{CA6972B3-6DC2-4218-9A9D-A9AF57148494}" dt="2017-10-02T18:20:22.951" v="4486" actId="20577"/>
-          <ac:spMkLst>
-            <pc:docMk/>
-            <pc:sldMk cId="3946690787" sldId="322"/>
-            <ac:spMk id="47" creationId="{00000000-0000-0000-0000-000000000000}"/>
-          </ac:spMkLst>
-        </pc:spChg>
-        <pc:picChg chg="add mod">
-          <ac:chgData name="Jamey Johnston" userId="4930901e9435c751" providerId="LiveId" clId="{CA6972B3-6DC2-4218-9A9D-A9AF57148494}" dt="2017-10-02T18:17:30.010" v="4393" actId="1076"/>
-          <ac:picMkLst>
-            <pc:docMk/>
-            <pc:sldMk cId="3946690787" sldId="322"/>
-            <ac:picMk id="2" creationId="{972E9CC6-8084-476D-AACC-187D19D1FCF8}"/>
-          </ac:picMkLst>
-        </pc:picChg>
-        <pc:picChg chg="add del mod">
-          <ac:chgData name="Jamey Johnston" userId="4930901e9435c751" providerId="LiveId" clId="{CA6972B3-6DC2-4218-9A9D-A9AF57148494}" dt="2017-10-02T18:15:38.075" v="4294" actId="20577"/>
-          <ac:picMkLst>
-            <pc:docMk/>
-            <pc:sldMk cId="3946690787" sldId="322"/>
-            <ac:picMk id="4" creationId="{CE82D865-1B58-4229-B24D-7AA2969952F4}"/>
-          </ac:picMkLst>
-        </pc:picChg>
-        <pc:picChg chg="add mod">
-          <ac:chgData name="Jamey Johnston" userId="4930901e9435c751" providerId="LiveId" clId="{CA6972B3-6DC2-4218-9A9D-A9AF57148494}" dt="2017-10-02T18:18:52.597" v="4453" actId="1076"/>
-          <ac:picMkLst>
-            <pc:docMk/>
-            <pc:sldMk cId="3946690787" sldId="322"/>
-            <ac:picMk id="5" creationId="{BF321185-0978-45AA-BE13-57C87A128E42}"/>
-          </ac:picMkLst>
-        </pc:picChg>
-      </pc:sldChg>
-      <pc:sldChg chg="addSp modSp">
-        <pc:chgData name="Jamey Johnston" userId="4930901e9435c751" providerId="LiveId" clId="{CA6972B3-6DC2-4218-9A9D-A9AF57148494}" dt="2017-10-02T18:30:20.674" v="4658" actId="1076"/>
-        <pc:sldMkLst>
-          <pc:docMk/>
-          <pc:sldMk cId="3701520116" sldId="323"/>
-        </pc:sldMkLst>
-        <pc:spChg chg="add mod">
-          <ac:chgData name="Jamey Johnston" userId="4930901e9435c751" providerId="LiveId" clId="{CA6972B3-6DC2-4218-9A9D-A9AF57148494}" dt="2017-10-02T18:30:20.674" v="4658" actId="1076"/>
-          <ac:spMkLst>
-            <pc:docMk/>
-            <pc:sldMk cId="3701520116" sldId="323"/>
-            <ac:spMk id="4" creationId="{17F22A2B-E4E6-47A4-B2A6-6BC0AFAA4650}"/>
-          </ac:spMkLst>
-        </pc:spChg>
-        <pc:picChg chg="add mod">
-          <ac:chgData name="Jamey Johnston" userId="4930901e9435c751" providerId="LiveId" clId="{CA6972B3-6DC2-4218-9A9D-A9AF57148494}" dt="2017-10-02T18:29:51.782" v="4614" actId="1076"/>
-          <ac:picMkLst>
-            <pc:docMk/>
-            <pc:sldMk cId="3701520116" sldId="323"/>
-            <ac:picMk id="3" creationId="{49695958-9AE0-401A-8CC1-B2FD2EE7ACA5}"/>
-          </ac:picMkLst>
-        </pc:picChg>
-      </pc:sldChg>
-      <pc:sldChg chg="modSp">
-        <pc:chgData name="Jamey Johnston" userId="4930901e9435c751" providerId="LiveId" clId="{CA6972B3-6DC2-4218-9A9D-A9AF57148494}" dt="2017-11-03T18:19:53.289" v="7559" actId="6549"/>
-        <pc:sldMkLst>
-          <pc:docMk/>
-          <pc:sldMk cId="1784829633" sldId="324"/>
-        </pc:sldMkLst>
-        <pc:spChg chg="mod">
-          <ac:chgData name="Jamey Johnston" userId="4930901e9435c751" providerId="LiveId" clId="{CA6972B3-6DC2-4218-9A9D-A9AF57148494}" dt="2017-11-03T18:19:53.289" v="7559" actId="6549"/>
-          <ac:spMkLst>
-            <pc:docMk/>
-            <pc:sldMk cId="1784829633" sldId="324"/>
-            <ac:spMk id="18" creationId="{44E0B39E-B1E7-4F5C-91B1-67FB4391704E}"/>
-          </ac:spMkLst>
-        </pc:spChg>
-      </pc:sldChg>
-      <pc:sldChg chg="modSp">
-        <pc:chgData name="Jamey Johnston" userId="4930901e9435c751" providerId="LiveId" clId="{CA6972B3-6DC2-4218-9A9D-A9AF57148494}" dt="2017-10-02T00:01:02.264" v="1543" actId="20577"/>
-        <pc:sldMkLst>
-          <pc:docMk/>
-          <pc:sldMk cId="3962712098" sldId="325"/>
-        </pc:sldMkLst>
-        <pc:spChg chg="mod">
-          <ac:chgData name="Jamey Johnston" userId="4930901e9435c751" providerId="LiveId" clId="{CA6972B3-6DC2-4218-9A9D-A9AF57148494}" dt="2017-10-01T23:58:08.340" v="1248" actId="20577"/>
-          <ac:spMkLst>
-            <pc:docMk/>
-            <pc:sldMk cId="3962712098" sldId="325"/>
-            <ac:spMk id="38" creationId="{00000000-0000-0000-0000-000000000000}"/>
-          </ac:spMkLst>
-        </pc:spChg>
-        <pc:spChg chg="mod">
-          <ac:chgData name="Jamey Johnston" userId="4930901e9435c751" providerId="LiveId" clId="{CA6972B3-6DC2-4218-9A9D-A9AF57148494}" dt="2017-10-01T23:58:26.690" v="1263" actId="20577"/>
-          <ac:spMkLst>
-            <pc:docMk/>
-            <pc:sldMk cId="3962712098" sldId="325"/>
-            <ac:spMk id="46" creationId="{00000000-0000-0000-0000-000000000000}"/>
-          </ac:spMkLst>
-        </pc:spChg>
-        <pc:spChg chg="mod">
-          <ac:chgData name="Jamey Johnston" userId="4930901e9435c751" providerId="LiveId" clId="{CA6972B3-6DC2-4218-9A9D-A9AF57148494}" dt="2017-10-02T00:01:02.264" v="1543" actId="20577"/>
-          <ac:spMkLst>
-            <pc:docMk/>
-            <pc:sldMk cId="3962712098" sldId="325"/>
-            <ac:spMk id="47" creationId="{00000000-0000-0000-0000-000000000000}"/>
-          </ac:spMkLst>
-        </pc:spChg>
-      </pc:sldChg>
-      <pc:sldChg chg="addSp modSp">
-        <pc:chgData name="Jamey Johnston" userId="4930901e9435c751" providerId="LiveId" clId="{CA6972B3-6DC2-4218-9A9D-A9AF57148494}" dt="2017-10-02T19:44:37.778" v="5784" actId="313"/>
-        <pc:sldMkLst>
-          <pc:docMk/>
-          <pc:sldMk cId="6272657" sldId="326"/>
-        </pc:sldMkLst>
-        <pc:spChg chg="mod">
-          <ac:chgData name="Jamey Johnston" userId="4930901e9435c751" providerId="LiveId" clId="{CA6972B3-6DC2-4218-9A9D-A9AF57148494}" dt="2017-10-02T19:39:24.393" v="5523" actId="20577"/>
-          <ac:spMkLst>
-            <pc:docMk/>
-            <pc:sldMk cId="6272657" sldId="326"/>
-            <ac:spMk id="46" creationId="{00000000-0000-0000-0000-000000000000}"/>
-          </ac:spMkLst>
-        </pc:spChg>
-        <pc:spChg chg="mod">
-          <ac:chgData name="Jamey Johnston" userId="4930901e9435c751" providerId="LiveId" clId="{CA6972B3-6DC2-4218-9A9D-A9AF57148494}" dt="2017-10-02T19:44:37.778" v="5784" actId="313"/>
-          <ac:spMkLst>
-            <pc:docMk/>
-            <pc:sldMk cId="6272657" sldId="326"/>
-            <ac:spMk id="47" creationId="{00000000-0000-0000-0000-000000000000}"/>
-          </ac:spMkLst>
-        </pc:spChg>
-        <pc:picChg chg="add mod">
-          <ac:chgData name="Jamey Johnston" userId="4930901e9435c751" providerId="LiveId" clId="{CA6972B3-6DC2-4218-9A9D-A9AF57148494}" dt="2017-10-02T19:38:52.640" v="5486" actId="1076"/>
-          <ac:picMkLst>
-            <pc:docMk/>
-            <pc:sldMk cId="6272657" sldId="326"/>
-            <ac:picMk id="3" creationId="{87C7B53D-E7E1-4C0E-A812-502C8F30B1E1}"/>
-          </ac:picMkLst>
-        </pc:picChg>
-      </pc:sldChg>
-      <pc:sldChg chg="modSp">
-        <pc:chgData name="Jamey Johnston" userId="4930901e9435c751" providerId="LiveId" clId="{CA6972B3-6DC2-4218-9A9D-A9AF57148494}" dt="2017-10-02T18:36:59.781" v="4880" actId="20577"/>
-        <pc:sldMkLst>
-          <pc:docMk/>
-          <pc:sldMk cId="3956199525" sldId="327"/>
-        </pc:sldMkLst>
-        <pc:spChg chg="mod">
-          <ac:chgData name="Jamey Johnston" userId="4930901e9435c751" providerId="LiveId" clId="{CA6972B3-6DC2-4218-9A9D-A9AF57148494}" dt="2017-10-02T01:12:29.206" v="1918" actId="20577"/>
-          <ac:spMkLst>
-            <pc:docMk/>
-            <pc:sldMk cId="3956199525" sldId="327"/>
-            <ac:spMk id="46" creationId="{00000000-0000-0000-0000-000000000000}"/>
-          </ac:spMkLst>
-        </pc:spChg>
-        <pc:spChg chg="mod">
-          <ac:chgData name="Jamey Johnston" userId="4930901e9435c751" providerId="LiveId" clId="{CA6972B3-6DC2-4218-9A9D-A9AF57148494}" dt="2017-10-02T18:36:59.781" v="4880" actId="20577"/>
-          <ac:spMkLst>
-            <pc:docMk/>
-            <pc:sldMk cId="3956199525" sldId="327"/>
-            <ac:spMk id="47" creationId="{00000000-0000-0000-0000-000000000000}"/>
-          </ac:spMkLst>
-        </pc:spChg>
-      </pc:sldChg>
-      <pc:sldChg chg="addSp delSp modSp">
-        <pc:chgData name="Jamey Johnston" userId="4930901e9435c751" providerId="LiveId" clId="{CA6972B3-6DC2-4218-9A9D-A9AF57148494}" dt="2017-10-02T19:00:14.087" v="5408" actId="20577"/>
-        <pc:sldMkLst>
-          <pc:docMk/>
-          <pc:sldMk cId="1960236900" sldId="328"/>
-        </pc:sldMkLst>
-        <pc:spChg chg="add del mod">
-          <ac:chgData name="Jamey Johnston" userId="4930901e9435c751" providerId="LiveId" clId="{CA6972B3-6DC2-4218-9A9D-A9AF57148494}" dt="2017-10-02T18:59:25.595" v="5366" actId="20577"/>
-          <ac:spMkLst>
-            <pc:docMk/>
-            <pc:sldMk cId="1960236900" sldId="328"/>
-            <ac:spMk id="2" creationId="{131799FE-CF6A-4ED4-96C9-A3E57B73D995}"/>
-          </ac:spMkLst>
-        </pc:spChg>
-        <pc:spChg chg="mod">
-          <ac:chgData name="Jamey Johnston" userId="4930901e9435c751" providerId="LiveId" clId="{CA6972B3-6DC2-4218-9A9D-A9AF57148494}" dt="2017-10-02T19:00:06.601" v="5407" actId="20577"/>
-          <ac:spMkLst>
-            <pc:docMk/>
-            <pc:sldMk cId="1960236900" sldId="328"/>
-            <ac:spMk id="46" creationId="{00000000-0000-0000-0000-000000000000}"/>
-          </ac:spMkLst>
-        </pc:spChg>
-        <pc:spChg chg="add del mod">
-          <ac:chgData name="Jamey Johnston" userId="4930901e9435c751" providerId="LiveId" clId="{CA6972B3-6DC2-4218-9A9D-A9AF57148494}" dt="2017-10-02T19:00:14.087" v="5408" actId="20577"/>
-          <ac:spMkLst>
-            <pc:docMk/>
-            <pc:sldMk cId="1960236900" sldId="328"/>
-            <ac:spMk id="47" creationId="{00000000-0000-0000-0000-000000000000}"/>
-          </ac:spMkLst>
-        </pc:spChg>
-      </pc:sldChg>
-      <pc:sldChg chg="del">
-        <pc:chgData name="Jamey Johnston" userId="4930901e9435c751" providerId="LiveId" clId="{CA6972B3-6DC2-4218-9A9D-A9AF57148494}" dt="2017-10-02T01:14:29.810" v="2005" actId="2696"/>
-        <pc:sldMkLst>
-          <pc:docMk/>
-          <pc:sldMk cId="4095165925" sldId="329"/>
-        </pc:sldMkLst>
-      </pc:sldChg>
-      <pc:sldChg chg="addSp modSp ord">
-        <pc:chgData name="Jamey Johnston" userId="4930901e9435c751" providerId="LiveId" clId="{CA6972B3-6DC2-4218-9A9D-A9AF57148494}" dt="2017-10-02T18:06:16.268" v="3913" actId="20577"/>
-        <pc:sldMkLst>
-          <pc:docMk/>
-          <pc:sldMk cId="3227035879" sldId="330"/>
-        </pc:sldMkLst>
-        <pc:spChg chg="add mod">
-          <ac:chgData name="Jamey Johnston" userId="4930901e9435c751" providerId="LiveId" clId="{CA6972B3-6DC2-4218-9A9D-A9AF57148494}" dt="2017-10-02T15:44:48.755" v="3449" actId="1076"/>
-          <ac:spMkLst>
-            <pc:docMk/>
-            <pc:sldMk cId="3227035879" sldId="330"/>
-            <ac:spMk id="5" creationId="{F7B8FBDD-B6FC-4447-ABA3-D23FBBA41504}"/>
-          </ac:spMkLst>
-        </pc:spChg>
-        <pc:spChg chg="add mod">
-          <ac:chgData name="Jamey Johnston" userId="4930901e9435c751" providerId="LiveId" clId="{CA6972B3-6DC2-4218-9A9D-A9AF57148494}" dt="2017-10-02T15:48:22.600" v="3811" actId="20577"/>
-          <ac:spMkLst>
-            <pc:docMk/>
-            <pc:sldMk cId="3227035879" sldId="330"/>
-            <ac:spMk id="6" creationId="{85E45519-1191-4D95-B0D3-C564D1817BD0}"/>
-          </ac:spMkLst>
-        </pc:spChg>
-        <pc:spChg chg="mod">
-          <ac:chgData name="Jamey Johnston" userId="4930901e9435c751" providerId="LiveId" clId="{CA6972B3-6DC2-4218-9A9D-A9AF57148494}" dt="2017-10-02T02:01:39.571" v="2989" actId="20577"/>
-          <ac:spMkLst>
-            <pc:docMk/>
-            <pc:sldMk cId="3227035879" sldId="330"/>
-            <ac:spMk id="38" creationId="{00000000-0000-0000-0000-000000000000}"/>
-          </ac:spMkLst>
-        </pc:spChg>
-        <pc:spChg chg="mod">
-          <ac:chgData name="Jamey Johnston" userId="4930901e9435c751" providerId="LiveId" clId="{CA6972B3-6DC2-4218-9A9D-A9AF57148494}" dt="2017-10-02T15:37:33.840" v="3348" actId="20577"/>
-          <ac:spMkLst>
-            <pc:docMk/>
-            <pc:sldMk cId="3227035879" sldId="330"/>
-            <ac:spMk id="46" creationId="{00000000-0000-0000-0000-000000000000}"/>
-          </ac:spMkLst>
-        </pc:spChg>
-        <pc:spChg chg="mod">
-          <ac:chgData name="Jamey Johnston" userId="4930901e9435c751" providerId="LiveId" clId="{CA6972B3-6DC2-4218-9A9D-A9AF57148494}" dt="2017-10-02T15:48:52.132" v="3833" actId="20577"/>
-          <ac:spMkLst>
-            <pc:docMk/>
-            <pc:sldMk cId="3227035879" sldId="330"/>
-            <ac:spMk id="47" creationId="{00000000-0000-0000-0000-000000000000}"/>
-          </ac:spMkLst>
-        </pc:spChg>
-      </pc:sldChg>
-      <pc:sldChg chg="del">
-        <pc:chgData name="Jamey Johnston" userId="4930901e9435c751" providerId="LiveId" clId="{CA6972B3-6DC2-4218-9A9D-A9AF57148494}" dt="2017-10-02T18:28:15.189" v="4601" actId="2696"/>
-        <pc:sldMkLst>
-          <pc:docMk/>
-          <pc:sldMk cId="314058156" sldId="331"/>
-        </pc:sldMkLst>
-      </pc:sldChg>
-      <pc:sldChg chg="modSp">
-        <pc:chgData name="Jamey Johnston" userId="4930901e9435c751" providerId="LiveId" clId="{CA6972B3-6DC2-4218-9A9D-A9AF57148494}" dt="2017-11-03T18:48:08.117" v="7651" actId="20577"/>
-        <pc:sldMkLst>
-          <pc:docMk/>
-          <pc:sldMk cId="3620777248" sldId="333"/>
-        </pc:sldMkLst>
-        <pc:spChg chg="mod">
-          <ac:chgData name="Jamey Johnston" userId="4930901e9435c751" providerId="LiveId" clId="{CA6972B3-6DC2-4218-9A9D-A9AF57148494}" dt="2017-11-03T18:48:08.117" v="7651" actId="20577"/>
-          <ac:spMkLst>
-            <pc:docMk/>
-            <pc:sldMk cId="3620777248" sldId="333"/>
-            <ac:spMk id="47" creationId="{00000000-0000-0000-0000-000000000000}"/>
-          </ac:spMkLst>
-        </pc:spChg>
-      </pc:sldChg>
-      <pc:sldChg chg="del">
-        <pc:chgData name="Jamey Johnston" userId="4930901e9435c751" providerId="LiveId" clId="{CA6972B3-6DC2-4218-9A9D-A9AF57148494}" dt="2017-10-02T18:28:18.758" v="4607" actId="2696"/>
-        <pc:sldMkLst>
-          <pc:docMk/>
-          <pc:sldMk cId="1516937583" sldId="336"/>
-        </pc:sldMkLst>
-      </pc:sldChg>
-      <pc:sldChg chg="addSp delSp modSp">
-        <pc:chgData name="Jamey Johnston" userId="4930901e9435c751" providerId="LiveId" clId="{CA6972B3-6DC2-4218-9A9D-A9AF57148494}" dt="2017-09-28T19:54:46.182" v="676" actId="20577"/>
-        <pc:sldMkLst>
-          <pc:docMk/>
-          <pc:sldMk cId="164474949" sldId="337"/>
-        </pc:sldMkLst>
-        <pc:spChg chg="add del">
-          <ac:chgData name="Jamey Johnston" userId="4930901e9435c751" providerId="LiveId" clId="{CA6972B3-6DC2-4218-9A9D-A9AF57148494}" dt="2017-09-28T19:38:06.399" v="52" actId="20577"/>
-          <ac:spMkLst>
-            <pc:docMk/>
-            <pc:sldMk cId="164474949" sldId="337"/>
-            <ac:spMk id="2" creationId="{0B94F998-913A-4B22-843D-4E20A1086833}"/>
-          </ac:spMkLst>
-        </pc:spChg>
-        <pc:spChg chg="mod">
-          <ac:chgData name="Jamey Johnston" userId="4930901e9435c751" providerId="LiveId" clId="{CA6972B3-6DC2-4218-9A9D-A9AF57148494}" dt="2017-09-28T19:44:53.572" v="237" actId="20577"/>
-          <ac:spMkLst>
-            <pc:docMk/>
-            <pc:sldMk cId="164474949" sldId="337"/>
-            <ac:spMk id="46" creationId="{00000000-0000-0000-0000-000000000000}"/>
-          </ac:spMkLst>
-        </pc:spChg>
-        <pc:spChg chg="mod">
-          <ac:chgData name="Jamey Johnston" userId="4930901e9435c751" providerId="LiveId" clId="{CA6972B3-6DC2-4218-9A9D-A9AF57148494}" dt="2017-09-28T19:54:46.182" v="676" actId="20577"/>
-          <ac:spMkLst>
-            <pc:docMk/>
-            <pc:sldMk cId="164474949" sldId="337"/>
-            <ac:spMk id="47" creationId="{00000000-0000-0000-0000-000000000000}"/>
-          </ac:spMkLst>
-        </pc:spChg>
-      </pc:sldChg>
-      <pc:sldChg chg="addSp delSp modSp">
-        <pc:chgData name="Jamey Johnston" userId="4930901e9435c751" providerId="LiveId" clId="{CA6972B3-6DC2-4218-9A9D-A9AF57148494}" dt="2017-11-03T17:43:57.614" v="7147" actId="313"/>
-        <pc:sldMkLst>
-          <pc:docMk/>
-          <pc:sldMk cId="1408410581" sldId="338"/>
-        </pc:sldMkLst>
-        <pc:spChg chg="add del mod">
-          <ac:chgData name="Jamey Johnston" userId="4930901e9435c751" providerId="LiveId" clId="{CA6972B3-6DC2-4218-9A9D-A9AF57148494}" dt="2017-09-28T19:42:03.811" v="130" actId="20577"/>
-          <ac:spMkLst>
-            <pc:docMk/>
-            <pc:sldMk cId="1408410581" sldId="338"/>
-            <ac:spMk id="2" creationId="{66D83EC4-71E9-4CE5-A091-6A8A19F8A960}"/>
-          </ac:spMkLst>
-        </pc:spChg>
-        <pc:spChg chg="add del mod">
-          <ac:chgData name="Jamey Johnston" userId="4930901e9435c751" providerId="LiveId" clId="{CA6972B3-6DC2-4218-9A9D-A9AF57148494}" dt="2017-09-28T19:42:08.234" v="131" actId="20577"/>
-          <ac:spMkLst>
-            <pc:docMk/>
-            <pc:sldMk cId="1408410581" sldId="338"/>
-            <ac:spMk id="46" creationId="{00000000-0000-0000-0000-000000000000}"/>
-          </ac:spMkLst>
-        </pc:spChg>
-        <pc:spChg chg="mod">
-          <ac:chgData name="Jamey Johnston" userId="4930901e9435c751" providerId="LiveId" clId="{CA6972B3-6DC2-4218-9A9D-A9AF57148494}" dt="2017-11-03T17:43:57.614" v="7147" actId="313"/>
-          <ac:spMkLst>
-            <pc:docMk/>
-            <pc:sldMk cId="1408410581" sldId="338"/>
-            <ac:spMk id="47" creationId="{00000000-0000-0000-0000-000000000000}"/>
-          </ac:spMkLst>
-        </pc:spChg>
-      </pc:sldChg>
-      <pc:sldChg chg="modSp">
-        <pc:chgData name="Jamey Johnston" userId="4930901e9435c751" providerId="LiveId" clId="{CA6972B3-6DC2-4218-9A9D-A9AF57148494}" dt="2017-10-02T16:27:42.214" v="3889" actId="6549"/>
-        <pc:sldMkLst>
-          <pc:docMk/>
-          <pc:sldMk cId="1840917135" sldId="339"/>
-        </pc:sldMkLst>
-        <pc:spChg chg="mod">
-          <ac:chgData name="Jamey Johnston" userId="4930901e9435c751" providerId="LiveId" clId="{CA6972B3-6DC2-4218-9A9D-A9AF57148494}" dt="2017-10-02T16:27:42.214" v="3889" actId="6549"/>
-          <ac:spMkLst>
-            <pc:docMk/>
-            <pc:sldMk cId="1840917135" sldId="339"/>
-            <ac:spMk id="47" creationId="{00000000-0000-0000-0000-000000000000}"/>
-          </ac:spMkLst>
-        </pc:spChg>
-      </pc:sldChg>
-      <pc:sldChg chg="addSp delSp modSp add">
-        <pc:chgData name="Jamey Johnston" userId="4930901e9435c751" providerId="LiveId" clId="{CA6972B3-6DC2-4218-9A9D-A9AF57148494}" dt="2017-11-03T18:43:30.503" v="7562" actId="1076"/>
-        <pc:sldMkLst>
-          <pc:docMk/>
-          <pc:sldMk cId="4145071103" sldId="340"/>
-        </pc:sldMkLst>
-        <pc:spChg chg="mod">
-          <ac:chgData name="Jamey Johnston" userId="4930901e9435c751" providerId="LiveId" clId="{CA6972B3-6DC2-4218-9A9D-A9AF57148494}" dt="2017-09-28T19:45:21.506" v="264" actId="20577"/>
-          <ac:spMkLst>
-            <pc:docMk/>
-            <pc:sldMk cId="4145071103" sldId="340"/>
-            <ac:spMk id="38" creationId="{00000000-0000-0000-0000-000000000000}"/>
-          </ac:spMkLst>
-        </pc:spChg>
-        <pc:spChg chg="mod">
-          <ac:chgData name="Jamey Johnston" userId="4930901e9435c751" providerId="LiveId" clId="{CA6972B3-6DC2-4218-9A9D-A9AF57148494}" dt="2017-09-28T19:47:00.425" v="326" actId="20577"/>
-          <ac:spMkLst>
-            <pc:docMk/>
-            <pc:sldMk cId="4145071103" sldId="340"/>
-            <ac:spMk id="46" creationId="{00000000-0000-0000-0000-000000000000}"/>
-          </ac:spMkLst>
-        </pc:spChg>
-        <pc:spChg chg="mod">
-          <ac:chgData name="Jamey Johnston" userId="4930901e9435c751" providerId="LiveId" clId="{CA6972B3-6DC2-4218-9A9D-A9AF57148494}" dt="2017-09-28T19:50:51.548" v="591" actId="20577"/>
-          <ac:spMkLst>
-            <pc:docMk/>
-            <pc:sldMk cId="4145071103" sldId="340"/>
-            <ac:spMk id="47" creationId="{00000000-0000-0000-0000-000000000000}"/>
-          </ac:spMkLst>
-        </pc:spChg>
-        <pc:picChg chg="add mod">
-          <ac:chgData name="Jamey Johnston" userId="4930901e9435c751" providerId="LiveId" clId="{CA6972B3-6DC2-4218-9A9D-A9AF57148494}" dt="2017-11-03T18:43:30.503" v="7562" actId="1076"/>
-          <ac:picMkLst>
-            <pc:docMk/>
-            <pc:sldMk cId="4145071103" sldId="340"/>
-            <ac:picMk id="2" creationId="{2B94E291-C9C8-4894-AD1B-27A338708A73}"/>
-          </ac:picMkLst>
-        </pc:picChg>
-        <pc:picChg chg="add mod">
-          <ac:chgData name="Jamey Johnston" userId="4930901e9435c751" providerId="LiveId" clId="{CA6972B3-6DC2-4218-9A9D-A9AF57148494}" dt="2017-09-28T19:46:26.064" v="270" actId="1076"/>
-          <ac:picMkLst>
-            <pc:docMk/>
-            <pc:sldMk cId="4145071103" sldId="340"/>
-            <ac:picMk id="3" creationId="{72988A01-8FD8-40C2-898E-591628AAFC2B}"/>
-          </ac:picMkLst>
-        </pc:picChg>
-        <pc:picChg chg="add del mod">
-          <ac:chgData name="Jamey Johnston" userId="4930901e9435c751" providerId="LiveId" clId="{CA6972B3-6DC2-4218-9A9D-A9AF57148494}" dt="2017-09-28T19:49:15.807" v="405" actId="1076"/>
-          <ac:picMkLst>
-            <pc:docMk/>
-            <pc:sldMk cId="4145071103" sldId="340"/>
-            <ac:picMk id="4" creationId="{AB345ED8-F515-4325-BC24-9D1BE50C0640}"/>
-          </ac:picMkLst>
-        </pc:picChg>
-        <pc:picChg chg="del">
-          <ac:chgData name="Jamey Johnston" userId="4930901e9435c751" providerId="LiveId" clId="{CA6972B3-6DC2-4218-9A9D-A9AF57148494}" dt="2017-09-28T19:45:26.632" v="265" actId="478"/>
-          <ac:picMkLst>
-            <pc:docMk/>
-            <pc:sldMk cId="4145071103" sldId="340"/>
-            <ac:picMk id="5" creationId="{1A9D54CD-87D8-4A05-B2FE-7AD5B6B21A35}"/>
-          </ac:picMkLst>
-        </pc:picChg>
-        <pc:picChg chg="add mod">
-          <ac:chgData name="Jamey Johnston" userId="4930901e9435c751" providerId="LiveId" clId="{CA6972B3-6DC2-4218-9A9D-A9AF57148494}" dt="2017-09-28T19:51:08.691" v="593" actId="1076"/>
-          <ac:picMkLst>
-            <pc:docMk/>
-            <pc:sldMk cId="4145071103" sldId="340"/>
-            <ac:picMk id="6" creationId="{86596245-5496-48D7-8D84-1D2ED239BBF2}"/>
-          </ac:picMkLst>
-        </pc:picChg>
-      </pc:sldChg>
-      <pc:sldChg chg="modSp add">
-        <pc:chgData name="Jamey Johnston" userId="4930901e9435c751" providerId="LiveId" clId="{CA6972B3-6DC2-4218-9A9D-A9AF57148494}" dt="2017-09-28T19:54:35.061" v="674" actId="20577"/>
-        <pc:sldMkLst>
-          <pc:docMk/>
-          <pc:sldMk cId="3247834187" sldId="341"/>
-        </pc:sldMkLst>
-        <pc:spChg chg="mod">
-          <ac:chgData name="Jamey Johnston" userId="4930901e9435c751" providerId="LiveId" clId="{CA6972B3-6DC2-4218-9A9D-A9AF57148494}" dt="2017-09-28T19:53:57.901" v="616" actId="313"/>
-          <ac:spMkLst>
-            <pc:docMk/>
-            <pc:sldMk cId="3247834187" sldId="341"/>
-            <ac:spMk id="46" creationId="{00000000-0000-0000-0000-000000000000}"/>
-          </ac:spMkLst>
-        </pc:spChg>
-        <pc:spChg chg="mod">
-          <ac:chgData name="Jamey Johnston" userId="4930901e9435c751" providerId="LiveId" clId="{CA6972B3-6DC2-4218-9A9D-A9AF57148494}" dt="2017-09-28T19:54:35.061" v="674" actId="20577"/>
-          <ac:spMkLst>
-            <pc:docMk/>
-            <pc:sldMk cId="3247834187" sldId="341"/>
-            <ac:spMk id="47" creationId="{00000000-0000-0000-0000-000000000000}"/>
-          </ac:spMkLst>
-        </pc:spChg>
-      </pc:sldChg>
-      <pc:sldChg chg="addSp delSp modSp add">
-        <pc:chgData name="Jamey Johnston" userId="4930901e9435c751" providerId="LiveId" clId="{CA6972B3-6DC2-4218-9A9D-A9AF57148494}" dt="2017-10-02T15:31:17.889" v="3034" actId="14100"/>
-        <pc:sldMkLst>
-          <pc:docMk/>
-          <pc:sldMk cId="3709435019" sldId="342"/>
-        </pc:sldMkLst>
-        <pc:spChg chg="add del">
-          <ac:chgData name="Jamey Johnston" userId="4930901e9435c751" providerId="LiveId" clId="{CA6972B3-6DC2-4218-9A9D-A9AF57148494}" dt="2017-09-28T19:55:10.278" v="679" actId="14100"/>
-          <ac:spMkLst>
-            <pc:docMk/>
-            <pc:sldMk cId="3709435019" sldId="342"/>
-            <ac:spMk id="2" creationId="{4EFEEF3B-21EE-4578-AAE4-F3C4827A0D41}"/>
-          </ac:spMkLst>
-        </pc:spChg>
-        <pc:spChg chg="add del">
-          <ac:chgData name="Jamey Johnston" userId="4930901e9435c751" providerId="LiveId" clId="{CA6972B3-6DC2-4218-9A9D-A9AF57148494}" dt="2017-09-28T19:55:50.556" v="703" actId="14100"/>
-          <ac:spMkLst>
-            <pc:docMk/>
-            <pc:sldMk cId="3709435019" sldId="342"/>
-            <ac:spMk id="3" creationId="{56A59183-2D83-43B7-A754-FA838B9EAD32}"/>
-          </ac:spMkLst>
-        </pc:spChg>
-        <pc:spChg chg="add del">
-          <ac:chgData name="Jamey Johnston" userId="4930901e9435c751" providerId="LiveId" clId="{CA6972B3-6DC2-4218-9A9D-A9AF57148494}" dt="2017-09-28T19:56:25.167" v="708" actId="14100"/>
-          <ac:spMkLst>
-            <pc:docMk/>
-            <pc:sldMk cId="3709435019" sldId="342"/>
-            <ac:spMk id="4" creationId="{5911D8D1-4FE5-42F7-B1BF-ED3C3FA426B4}"/>
-          </ac:spMkLst>
-        </pc:spChg>
-        <pc:spChg chg="mod">
-          <ac:chgData name="Jamey Johnston" userId="4930901e9435c751" providerId="LiveId" clId="{CA6972B3-6DC2-4218-9A9D-A9AF57148494}" dt="2017-10-02T15:31:17.889" v="3034" actId="14100"/>
-          <ac:spMkLst>
-            <pc:docMk/>
-            <pc:sldMk cId="3709435019" sldId="342"/>
-            <ac:spMk id="38" creationId="{00000000-0000-0000-0000-000000000000}"/>
-          </ac:spMkLst>
-        </pc:spChg>
-        <pc:spChg chg="mod">
-          <ac:chgData name="Jamey Johnston" userId="4930901e9435c751" providerId="LiveId" clId="{CA6972B3-6DC2-4218-9A9D-A9AF57148494}" dt="2017-09-28T19:55:21.145" v="695" actId="14100"/>
-          <ac:spMkLst>
-            <pc:docMk/>
-            <pc:sldMk cId="3709435019" sldId="342"/>
-            <ac:spMk id="46" creationId="{00000000-0000-0000-0000-000000000000}"/>
-          </ac:spMkLst>
-        </pc:spChg>
-        <pc:spChg chg="mod">
-          <ac:chgData name="Jamey Johnston" userId="4930901e9435c751" providerId="LiveId" clId="{CA6972B3-6DC2-4218-9A9D-A9AF57148494}" dt="2017-09-28T19:56:34.153" v="711" actId="14100"/>
-          <ac:spMkLst>
-            <pc:docMk/>
-            <pc:sldMk cId="3709435019" sldId="342"/>
-            <ac:spMk id="47" creationId="{00000000-0000-0000-0000-000000000000}"/>
-          </ac:spMkLst>
-        </pc:spChg>
-      </pc:sldChg>
-      <pc:sldChg chg="modSp add">
-        <pc:chgData name="Jamey Johnston" userId="4930901e9435c751" providerId="LiveId" clId="{CA6972B3-6DC2-4218-9A9D-A9AF57148494}" dt="2017-10-02T20:15:58.595" v="6341" actId="2"/>
-        <pc:sldMkLst>
-          <pc:docMk/>
-          <pc:sldMk cId="2381532924" sldId="343"/>
-        </pc:sldMkLst>
-        <pc:spChg chg="mod">
-          <ac:chgData name="Jamey Johnston" userId="4930901e9435c751" providerId="LiveId" clId="{CA6972B3-6DC2-4218-9A9D-A9AF57148494}" dt="2017-09-28T19:57:16.510" v="742" actId="20577"/>
-          <ac:spMkLst>
-            <pc:docMk/>
-            <pc:sldMk cId="2381532924" sldId="343"/>
-            <ac:spMk id="46" creationId="{00000000-0000-0000-0000-000000000000}"/>
-          </ac:spMkLst>
-        </pc:spChg>
-        <pc:spChg chg="mod">
-          <ac:chgData name="Jamey Johnston" userId="4930901e9435c751" providerId="LiveId" clId="{CA6972B3-6DC2-4218-9A9D-A9AF57148494}" dt="2017-10-02T20:15:58.595" v="6341" actId="2"/>
-          <ac:spMkLst>
-            <pc:docMk/>
-            <pc:sldMk cId="2381532924" sldId="343"/>
-            <ac:spMk id="47" creationId="{00000000-0000-0000-0000-000000000000}"/>
-          </ac:spMkLst>
-        </pc:spChg>
-      </pc:sldChg>
-      <pc:sldChg chg="addSp delSp modSp add">
-        <pc:chgData name="Jamey Johnston" userId="4930901e9435c751" providerId="LiveId" clId="{CA6972B3-6DC2-4218-9A9D-A9AF57148494}" dt="2017-09-28T20:01:24.321" v="779" actId="313"/>
-        <pc:sldMkLst>
-          <pc:docMk/>
-          <pc:sldMk cId="1305529356" sldId="344"/>
-        </pc:sldMkLst>
-        <pc:spChg chg="add del">
-          <ac:chgData name="Jamey Johnston" userId="4930901e9435c751" providerId="LiveId" clId="{CA6972B3-6DC2-4218-9A9D-A9AF57148494}" dt="2017-09-28T19:59:42.737" v="762" actId="313"/>
-          <ac:spMkLst>
-            <pc:docMk/>
-            <pc:sldMk cId="1305529356" sldId="344"/>
-            <ac:spMk id="2" creationId="{46BD61EC-E665-4A13-B8F4-78BAA69CE332}"/>
-          </ac:spMkLst>
-        </pc:spChg>
-        <pc:spChg chg="add del">
-          <ac:chgData name="Jamey Johnston" userId="4930901e9435c751" providerId="LiveId" clId="{CA6972B3-6DC2-4218-9A9D-A9AF57148494}" dt="2017-09-28T20:01:09.696" v="776" actId="313"/>
-          <ac:spMkLst>
-            <pc:docMk/>
-            <pc:sldMk cId="1305529356" sldId="344"/>
-            <ac:spMk id="3" creationId="{18EBEB10-F052-43DE-8A9A-F61277AF8936}"/>
-          </ac:spMkLst>
-        </pc:spChg>
-        <pc:spChg chg="mod">
-          <ac:chgData name="Jamey Johnston" userId="4930901e9435c751" providerId="LiveId" clId="{CA6972B3-6DC2-4218-9A9D-A9AF57148494}" dt="2017-09-28T20:01:24.321" v="779" actId="313"/>
-          <ac:spMkLst>
-            <pc:docMk/>
-            <pc:sldMk cId="1305529356" sldId="344"/>
-            <ac:spMk id="46" creationId="{00000000-0000-0000-0000-000000000000}"/>
-          </ac:spMkLst>
-        </pc:spChg>
-        <pc:spChg chg="mod">
-          <ac:chgData name="Jamey Johnston" userId="4930901e9435c751" providerId="LiveId" clId="{CA6972B3-6DC2-4218-9A9D-A9AF57148494}" dt="2017-09-28T20:01:18.190" v="778" actId="108"/>
-          <ac:spMkLst>
-            <pc:docMk/>
-            <pc:sldMk cId="1305529356" sldId="344"/>
-            <ac:spMk id="47" creationId="{00000000-0000-0000-0000-000000000000}"/>
-          </ac:spMkLst>
-        </pc:spChg>
-      </pc:sldChg>
-      <pc:sldChg chg="addSp delSp modSp add">
-        <pc:chgData name="Jamey Johnston" userId="4930901e9435c751" providerId="LiveId" clId="{CA6972B3-6DC2-4218-9A9D-A9AF57148494}" dt="2017-09-28T20:08:34.290" v="1040" actId="20577"/>
-        <pc:sldMkLst>
-          <pc:docMk/>
-          <pc:sldMk cId="2507410644" sldId="345"/>
-        </pc:sldMkLst>
-        <pc:spChg chg="add del mod">
-          <ac:chgData name="Jamey Johnston" userId="4930901e9435c751" providerId="LiveId" clId="{CA6972B3-6DC2-4218-9A9D-A9AF57148494}" dt="2017-09-28T20:01:54.291" v="801" actId="20577"/>
-          <ac:spMkLst>
-            <pc:docMk/>
-            <pc:sldMk cId="2507410644" sldId="345"/>
-            <ac:spMk id="2" creationId="{0F31B5D5-A79E-4676-BE58-9D8E214E1C36}"/>
-          </ac:spMkLst>
-        </pc:spChg>
-        <pc:spChg chg="add del mod">
-          <ac:chgData name="Jamey Johnston" userId="4930901e9435c751" providerId="LiveId" clId="{CA6972B3-6DC2-4218-9A9D-A9AF57148494}" dt="2017-09-28T20:07:39.403" v="911" actId="20577"/>
-          <ac:spMkLst>
-            <pc:docMk/>
-            <pc:sldMk cId="2507410644" sldId="345"/>
-            <ac:spMk id="46" creationId="{00000000-0000-0000-0000-000000000000}"/>
-          </ac:spMkLst>
-        </pc:spChg>
-        <pc:spChg chg="mod">
-          <ac:chgData name="Jamey Johnston" userId="4930901e9435c751" providerId="LiveId" clId="{CA6972B3-6DC2-4218-9A9D-A9AF57148494}" dt="2017-09-28T20:08:34.290" v="1040" actId="20577"/>
-          <ac:spMkLst>
-            <pc:docMk/>
-            <pc:sldMk cId="2507410644" sldId="345"/>
-            <ac:spMk id="47" creationId="{00000000-0000-0000-0000-000000000000}"/>
-          </ac:spMkLst>
-        </pc:spChg>
-      </pc:sldChg>
-      <pc:sldChg chg="modSp add ord">
-        <pc:chgData name="Jamey Johnston" userId="4930901e9435c751" providerId="LiveId" clId="{CA6972B3-6DC2-4218-9A9D-A9AF57148494}" dt="2017-10-02T15:34:13.222" v="3212" actId="6549"/>
-        <pc:sldMkLst>
-          <pc:docMk/>
-          <pc:sldMk cId="3157267913" sldId="346"/>
-        </pc:sldMkLst>
-        <pc:spChg chg="mod">
-          <ac:chgData name="Jamey Johnston" userId="4930901e9435c751" providerId="LiveId" clId="{CA6972B3-6DC2-4218-9A9D-A9AF57148494}" dt="2017-10-02T15:34:13.222" v="3212" actId="6549"/>
-          <ac:spMkLst>
-            <pc:docMk/>
-            <pc:sldMk cId="3157267913" sldId="346"/>
-            <ac:spMk id="4" creationId="{00000000-0000-0000-0000-000000000000}"/>
-          </ac:spMkLst>
-        </pc:spChg>
-      </pc:sldChg>
-      <pc:sldChg chg="modSp add del">
-        <pc:chgData name="Jamey Johnston" userId="4930901e9435c751" providerId="LiveId" clId="{CA6972B3-6DC2-4218-9A9D-A9AF57148494}" dt="2017-10-02T00:26:35.135" v="1895" actId="2696"/>
-        <pc:sldMkLst>
-          <pc:docMk/>
-          <pc:sldMk cId="2471072174" sldId="347"/>
-        </pc:sldMkLst>
-        <pc:spChg chg="mod">
-          <ac:chgData name="Jamey Johnston" userId="4930901e9435c751" providerId="LiveId" clId="{CA6972B3-6DC2-4218-9A9D-A9AF57148494}" dt="2017-09-28T20:18:05.251" v="1163" actId="20577"/>
-          <ac:spMkLst>
-            <pc:docMk/>
-            <pc:sldMk cId="2471072174" sldId="347"/>
-            <ac:spMk id="38" creationId="{00000000-0000-0000-0000-000000000000}"/>
-          </ac:spMkLst>
-        </pc:spChg>
-      </pc:sldChg>
-      <pc:sldChg chg="modSp add del">
-        <pc:chgData name="Jamey Johnston" userId="4930901e9435c751" providerId="LiveId" clId="{CA6972B3-6DC2-4218-9A9D-A9AF57148494}" dt="2017-10-01T23:55:41.009" v="1224" actId="2696"/>
-        <pc:sldMkLst>
-          <pc:docMk/>
-          <pc:sldMk cId="2587905578" sldId="348"/>
-        </pc:sldMkLst>
-        <pc:spChg chg="mod">
-          <ac:chgData name="Jamey Johnston" userId="4930901e9435c751" providerId="LiveId" clId="{CA6972B3-6DC2-4218-9A9D-A9AF57148494}" dt="2017-09-28T20:18:17.022" v="1195" actId="20577"/>
-          <ac:spMkLst>
-            <pc:docMk/>
-            <pc:sldMk cId="2587905578" sldId="348"/>
-            <ac:spMk id="38" creationId="{00000000-0000-0000-0000-000000000000}"/>
-          </ac:spMkLst>
-        </pc:spChg>
-      </pc:sldChg>
-      <pc:sldChg chg="modSp add del">
-        <pc:chgData name="Jamey Johnston" userId="4930901e9435c751" providerId="LiveId" clId="{CA6972B3-6DC2-4218-9A9D-A9AF57148494}" dt="2017-10-02T18:32:59.821" v="4660" actId="2696"/>
-        <pc:sldMkLst>
-          <pc:docMk/>
-          <pc:sldMk cId="3927272358" sldId="349"/>
-        </pc:sldMkLst>
-        <pc:spChg chg="mod">
-          <ac:chgData name="Jamey Johnston" userId="4930901e9435c751" providerId="LiveId" clId="{CA6972B3-6DC2-4218-9A9D-A9AF57148494}" dt="2017-10-02T01:59:43.366" v="2981" actId="1035"/>
-          <ac:spMkLst>
-            <pc:docMk/>
-            <pc:sldMk cId="3927272358" sldId="349"/>
-            <ac:spMk id="38" creationId="{00000000-0000-0000-0000-000000000000}"/>
-          </ac:spMkLst>
-        </pc:spChg>
-      </pc:sldChg>
-      <pc:sldChg chg="addSp delSp modSp add">
-        <pc:chgData name="Jamey Johnston" userId="4930901e9435c751" providerId="LiveId" clId="{CA6972B3-6DC2-4218-9A9D-A9AF57148494}" dt="2017-10-02T00:05:05.918" v="1664" actId="6549"/>
-        <pc:sldMkLst>
-          <pc:docMk/>
-          <pc:sldMk cId="3149965773" sldId="350"/>
-        </pc:sldMkLst>
-        <pc:spChg chg="add del">
-          <ac:chgData name="Jamey Johnston" userId="4930901e9435c751" providerId="LiveId" clId="{CA6972B3-6DC2-4218-9A9D-A9AF57148494}" dt="2017-10-02T00:04:01.052" v="1592" actId="6549"/>
-          <ac:spMkLst>
-            <pc:docMk/>
-            <pc:sldMk cId="3149965773" sldId="350"/>
-            <ac:spMk id="2" creationId="{1FF90384-2BE5-4FEE-9E59-34A75BB4147E}"/>
-          </ac:spMkLst>
-        </pc:spChg>
-        <pc:spChg chg="add del">
-          <ac:chgData name="Jamey Johnston" userId="4930901e9435c751" providerId="LiveId" clId="{CA6972B3-6DC2-4218-9A9D-A9AF57148494}" dt="2017-10-02T00:04:51.503" v="1661" actId="6549"/>
-          <ac:spMkLst>
-            <pc:docMk/>
-            <pc:sldMk cId="3149965773" sldId="350"/>
-            <ac:spMk id="3" creationId="{8A614E12-53D0-43BA-B02A-F08C0FF0B572}"/>
-          </ac:spMkLst>
-        </pc:spChg>
-        <pc:spChg chg="add mod">
-          <ac:chgData name="Jamey Johnston" userId="4930901e9435c751" providerId="LiveId" clId="{CA6972B3-6DC2-4218-9A9D-A9AF57148494}" dt="2017-10-02T00:04:21.642" v="1611" actId="20577"/>
-          <ac:spMkLst>
-            <pc:docMk/>
-            <pc:sldMk cId="3149965773" sldId="350"/>
-            <ac:spMk id="5" creationId="{18CAE5D0-13B9-4F88-9639-A3E69184EB4A}"/>
-          </ac:spMkLst>
-        </pc:spChg>
-        <pc:spChg chg="add mod">
-          <ac:chgData name="Jamey Johnston" userId="4930901e9435c751" providerId="LiveId" clId="{CA6972B3-6DC2-4218-9A9D-A9AF57148494}" dt="2017-10-02T00:05:05.918" v="1664" actId="6549"/>
-          <ac:spMkLst>
-            <pc:docMk/>
-            <pc:sldMk cId="3149965773" sldId="350"/>
-            <ac:spMk id="6" creationId="{C1E8EA70-9D22-4E0C-82C8-0033174BC94C}"/>
-          </ac:spMkLst>
-        </pc:spChg>
-        <pc:spChg chg="mod">
-          <ac:chgData name="Jamey Johnston" userId="4930901e9435c751" providerId="LiveId" clId="{CA6972B3-6DC2-4218-9A9D-A9AF57148494}" dt="2017-10-02T00:01:27.981" v="1564" actId="20577"/>
-          <ac:spMkLst>
-            <pc:docMk/>
-            <pc:sldMk cId="3149965773" sldId="350"/>
-            <ac:spMk id="46" creationId="{00000000-0000-0000-0000-000000000000}"/>
-          </ac:spMkLst>
-        </pc:spChg>
-        <pc:spChg chg="mod">
-          <ac:chgData name="Jamey Johnston" userId="4930901e9435c751" providerId="LiveId" clId="{CA6972B3-6DC2-4218-9A9D-A9AF57148494}" dt="2017-10-02T00:04:04.058" v="1593" actId="6549"/>
-          <ac:spMkLst>
-            <pc:docMk/>
-            <pc:sldMk cId="3149965773" sldId="350"/>
-            <ac:spMk id="47" creationId="{00000000-0000-0000-0000-000000000000}"/>
-          </ac:spMkLst>
-        </pc:spChg>
-      </pc:sldChg>
-      <pc:sldChg chg="addSp delSp modSp add">
-        <pc:chgData name="Jamey Johnston" userId="4930901e9435c751" providerId="LiveId" clId="{CA6972B3-6DC2-4218-9A9D-A9AF57148494}" dt="2017-10-02T00:06:55.807" v="1744" actId="20577"/>
-        <pc:sldMkLst>
-          <pc:docMk/>
-          <pc:sldMk cId="689293807" sldId="351"/>
-        </pc:sldMkLst>
-        <pc:spChg chg="add del">
-          <ac:chgData name="Jamey Johnston" userId="4930901e9435c751" providerId="LiveId" clId="{CA6972B3-6DC2-4218-9A9D-A9AF57148494}" dt="2017-10-02T00:06:21.707" v="1713" actId="20577"/>
-          <ac:spMkLst>
-            <pc:docMk/>
-            <pc:sldMk cId="689293807" sldId="351"/>
-            <ac:spMk id="2" creationId="{2A30DA9F-2A33-4127-B09E-56C705F53FB3}"/>
-          </ac:spMkLst>
-        </pc:spChg>
-        <pc:spChg chg="add del">
-          <ac:chgData name="Jamey Johnston" userId="4930901e9435c751" providerId="LiveId" clId="{CA6972B3-6DC2-4218-9A9D-A9AF57148494}" dt="2017-10-02T00:06:25.324" v="1715" actId="20577"/>
-          <ac:spMkLst>
-            <pc:docMk/>
-            <pc:sldMk cId="689293807" sldId="351"/>
-            <ac:spMk id="3" creationId="{E27DD1AF-980B-4030-8C9D-D9E518E95853}"/>
-          </ac:spMkLst>
-        </pc:spChg>
-        <pc:spChg chg="add del">
-          <ac:chgData name="Jamey Johnston" userId="4930901e9435c751" providerId="LiveId" clId="{CA6972B3-6DC2-4218-9A9D-A9AF57148494}" dt="2017-10-02T00:06:31.281" v="1717" actId="20577"/>
-          <ac:spMkLst>
-            <pc:docMk/>
-            <pc:sldMk cId="689293807" sldId="351"/>
-            <ac:spMk id="4" creationId="{8C19D397-2982-43C3-9612-172ACFD986B3}"/>
-          </ac:spMkLst>
-        </pc:spChg>
-        <pc:spChg chg="mod">
-          <ac:chgData name="Jamey Johnston" userId="4930901e9435c751" providerId="LiveId" clId="{CA6972B3-6DC2-4218-9A9D-A9AF57148494}" dt="2017-10-02T00:06:38.826" v="1719" actId="20577"/>
-          <ac:spMkLst>
-            <pc:docMk/>
-            <pc:sldMk cId="689293807" sldId="351"/>
-            <ac:spMk id="5" creationId="{18CAE5D0-13B9-4F88-9639-A3E69184EB4A}"/>
-          </ac:spMkLst>
-        </pc:spChg>
-        <pc:spChg chg="mod">
-          <ac:chgData name="Jamey Johnston" userId="4930901e9435c751" providerId="LiveId" clId="{CA6972B3-6DC2-4218-9A9D-A9AF57148494}" dt="2017-10-02T00:06:55.807" v="1744" actId="20577"/>
-          <ac:spMkLst>
-            <pc:docMk/>
-            <pc:sldMk cId="689293807" sldId="351"/>
-            <ac:spMk id="6" creationId="{C1E8EA70-9D22-4E0C-82C8-0033174BC94C}"/>
-          </ac:spMkLst>
-        </pc:spChg>
-        <pc:spChg chg="mod">
-          <ac:chgData name="Jamey Johnston" userId="4930901e9435c751" providerId="LiveId" clId="{CA6972B3-6DC2-4218-9A9D-A9AF57148494}" dt="2017-10-02T00:05:35.163" v="1682" actId="20577"/>
-          <ac:spMkLst>
-            <pc:docMk/>
-            <pc:sldMk cId="689293807" sldId="351"/>
-            <ac:spMk id="46" creationId="{00000000-0000-0000-0000-000000000000}"/>
-          </ac:spMkLst>
-        </pc:spChg>
-        <pc:spChg chg="mod">
-          <ac:chgData name="Jamey Johnston" userId="4930901e9435c751" providerId="LiveId" clId="{CA6972B3-6DC2-4218-9A9D-A9AF57148494}" dt="2017-10-02T00:05:53.535" v="1687" actId="20577"/>
-          <ac:spMkLst>
-            <pc:docMk/>
-            <pc:sldMk cId="689293807" sldId="351"/>
-            <ac:spMk id="47" creationId="{00000000-0000-0000-0000-000000000000}"/>
-          </ac:spMkLst>
-        </pc:spChg>
-      </pc:sldChg>
-      <pc:sldChg chg="modSp add">
-        <pc:chgData name="Jamey Johnston" userId="4930901e9435c751" providerId="LiveId" clId="{CA6972B3-6DC2-4218-9A9D-A9AF57148494}" dt="2017-10-02T00:08:35.946" v="1887" actId="20577"/>
-        <pc:sldMkLst>
-          <pc:docMk/>
-          <pc:sldMk cId="3421612499" sldId="352"/>
-        </pc:sldMkLst>
-        <pc:spChg chg="mod">
-          <ac:chgData name="Jamey Johnston" userId="4930901e9435c751" providerId="LiveId" clId="{CA6972B3-6DC2-4218-9A9D-A9AF57148494}" dt="2017-10-02T00:08:11.548" v="1847" actId="20577"/>
-          <ac:spMkLst>
-            <pc:docMk/>
-            <pc:sldMk cId="3421612499" sldId="352"/>
-            <ac:spMk id="5" creationId="{18CAE5D0-13B9-4F88-9639-A3E69184EB4A}"/>
-          </ac:spMkLst>
-        </pc:spChg>
-        <pc:spChg chg="mod">
-          <ac:chgData name="Jamey Johnston" userId="4930901e9435c751" providerId="LiveId" clId="{CA6972B3-6DC2-4218-9A9D-A9AF57148494}" dt="2017-10-02T00:08:35.946" v="1887" actId="20577"/>
-          <ac:spMkLst>
-            <pc:docMk/>
-            <pc:sldMk cId="3421612499" sldId="352"/>
-            <ac:spMk id="6" creationId="{C1E8EA70-9D22-4E0C-82C8-0033174BC94C}"/>
-          </ac:spMkLst>
-        </pc:spChg>
-        <pc:spChg chg="mod">
-          <ac:chgData name="Jamey Johnston" userId="4930901e9435c751" providerId="LiveId" clId="{CA6972B3-6DC2-4218-9A9D-A9AF57148494}" dt="2017-10-02T00:07:21.902" v="1785" actId="20577"/>
-          <ac:spMkLst>
-            <pc:docMk/>
-            <pc:sldMk cId="3421612499" sldId="352"/>
-            <ac:spMk id="46" creationId="{00000000-0000-0000-0000-000000000000}"/>
-          </ac:spMkLst>
-        </pc:spChg>
-        <pc:spChg chg="mod">
-          <ac:chgData name="Jamey Johnston" userId="4930901e9435c751" providerId="LiveId" clId="{CA6972B3-6DC2-4218-9A9D-A9AF57148494}" dt="2017-10-02T00:07:36.802" v="1801" actId="20577"/>
-          <ac:spMkLst>
-            <pc:docMk/>
-            <pc:sldMk cId="3421612499" sldId="352"/>
-            <ac:spMk id="47" creationId="{00000000-0000-0000-0000-000000000000}"/>
-          </ac:spMkLst>
-        </pc:spChg>
-      </pc:sldChg>
-      <pc:sldChg chg="addSp delSp modSp add del">
-        <pc:chgData name="Jamey Johnston" userId="4930901e9435c751" providerId="LiveId" clId="{CA6972B3-6DC2-4218-9A9D-A9AF57148494}" dt="2017-11-03T18:11:31.906" v="7327" actId="2696"/>
-        <pc:sldMkLst>
-          <pc:docMk/>
-          <pc:sldMk cId="3335113406" sldId="353"/>
-        </pc:sldMkLst>
-        <pc:spChg chg="mod">
-          <ac:chgData name="Jamey Johnston" userId="4930901e9435c751" providerId="LiveId" clId="{CA6972B3-6DC2-4218-9A9D-A9AF57148494}" dt="2017-11-03T18:09:45.453" v="7291" actId="1035"/>
-          <ac:spMkLst>
-            <pc:docMk/>
-            <pc:sldMk cId="3335113406" sldId="353"/>
-            <ac:spMk id="5" creationId="{18CAE5D0-13B9-4F88-9639-A3E69184EB4A}"/>
-          </ac:spMkLst>
-        </pc:spChg>
-        <pc:spChg chg="mod">
-          <ac:chgData name="Jamey Johnston" userId="4930901e9435c751" providerId="LiveId" clId="{CA6972B3-6DC2-4218-9A9D-A9AF57148494}" dt="2017-11-03T18:09:45.453" v="7291" actId="1035"/>
-          <ac:spMkLst>
-            <pc:docMk/>
-            <pc:sldMk cId="3335113406" sldId="353"/>
-            <ac:spMk id="6" creationId="{C1E8EA70-9D22-4E0C-82C8-0033174BC94C}"/>
-          </ac:spMkLst>
-        </pc:spChg>
-        <pc:spChg chg="add mod">
-          <ac:chgData name="Jamey Johnston" userId="4930901e9435c751" providerId="LiveId" clId="{CA6972B3-6DC2-4218-9A9D-A9AF57148494}" dt="2017-11-03T18:05:46.457" v="7197" actId="20577"/>
-          <ac:spMkLst>
-            <pc:docMk/>
-            <pc:sldMk cId="3335113406" sldId="353"/>
-            <ac:spMk id="7" creationId="{7E5AF2EE-C151-400B-99E8-A186386B4A12}"/>
-          </ac:spMkLst>
-        </pc:spChg>
-        <pc:spChg chg="add del mod">
-          <ac:chgData name="Jamey Johnston" userId="4930901e9435c751" providerId="LiveId" clId="{CA6972B3-6DC2-4218-9A9D-A9AF57148494}" dt="2017-11-03T18:09:06.920" v="7262" actId="478"/>
-          <ac:spMkLst>
-            <pc:docMk/>
-            <pc:sldMk cId="3335113406" sldId="353"/>
-            <ac:spMk id="8" creationId="{15E022C8-E7F5-4C21-96FC-8DEE313D1047}"/>
-          </ac:spMkLst>
-        </pc:spChg>
-        <pc:spChg chg="mod">
-          <ac:chgData name="Jamey Johnston" userId="4930901e9435c751" providerId="LiveId" clId="{CA6972B3-6DC2-4218-9A9D-A9AF57148494}" dt="2017-11-03T18:08:36.778" v="7260" actId="20577"/>
-          <ac:spMkLst>
-            <pc:docMk/>
-            <pc:sldMk cId="3335113406" sldId="353"/>
-            <ac:spMk id="38" creationId="{00000000-0000-0000-0000-000000000000}"/>
-          </ac:spMkLst>
-        </pc:spChg>
-        <pc:spChg chg="mod">
-          <ac:chgData name="Jamey Johnston" userId="4930901e9435c751" providerId="LiveId" clId="{CA6972B3-6DC2-4218-9A9D-A9AF57148494}" dt="2017-11-03T18:09:45.453" v="7291" actId="1035"/>
-          <ac:spMkLst>
-            <pc:docMk/>
-            <pc:sldMk cId="3335113406" sldId="353"/>
-            <ac:spMk id="46" creationId="{00000000-0000-0000-0000-000000000000}"/>
-          </ac:spMkLst>
-        </pc:spChg>
-        <pc:spChg chg="mod">
-          <ac:chgData name="Jamey Johnston" userId="4930901e9435c751" providerId="LiveId" clId="{CA6972B3-6DC2-4218-9A9D-A9AF57148494}" dt="2017-11-03T18:09:45.453" v="7291" actId="1035"/>
-          <ac:spMkLst>
-            <pc:docMk/>
-            <pc:sldMk cId="3335113406" sldId="353"/>
-            <ac:spMk id="47" creationId="{00000000-0000-0000-0000-000000000000}"/>
-          </ac:spMkLst>
-        </pc:spChg>
-      </pc:sldChg>
-      <pc:sldChg chg="addSp delSp modSp add">
-        <pc:chgData name="Jamey Johnston" userId="4930901e9435c751" providerId="LiveId" clId="{CA6972B3-6DC2-4218-9A9D-A9AF57148494}" dt="2017-10-02T18:38:15.413" v="4924" actId="20577"/>
-        <pc:sldMkLst>
-          <pc:docMk/>
-          <pc:sldMk cId="4187151119" sldId="354"/>
-        </pc:sldMkLst>
-        <pc:spChg chg="add del mod">
-          <ac:chgData name="Jamey Johnston" userId="4930901e9435c751" providerId="LiveId" clId="{CA6972B3-6DC2-4218-9A9D-A9AF57148494}" dt="2017-10-02T18:37:35.622" v="4917" actId="20577"/>
-          <ac:spMkLst>
-            <pc:docMk/>
-            <pc:sldMk cId="4187151119" sldId="354"/>
-            <ac:spMk id="2" creationId="{D2DEB947-017A-49FA-9B9C-AF83EA58A571}"/>
-          </ac:spMkLst>
-        </pc:spChg>
-        <pc:spChg chg="mod">
-          <ac:chgData name="Jamey Johnston" userId="4930901e9435c751" providerId="LiveId" clId="{CA6972B3-6DC2-4218-9A9D-A9AF57148494}" dt="2017-10-02T18:38:15.413" v="4924" actId="20577"/>
-          <ac:spMkLst>
-            <pc:docMk/>
-            <pc:sldMk cId="4187151119" sldId="354"/>
-            <ac:spMk id="46" creationId="{00000000-0000-0000-0000-000000000000}"/>
-          </ac:spMkLst>
-        </pc:spChg>
-        <pc:spChg chg="add del mod">
-          <ac:chgData name="Jamey Johnston" userId="4930901e9435c751" providerId="LiveId" clId="{CA6972B3-6DC2-4218-9A9D-A9AF57148494}" dt="2017-10-02T18:38:04.856" v="4920" actId="108"/>
-          <ac:spMkLst>
-            <pc:docMk/>
-            <pc:sldMk cId="4187151119" sldId="354"/>
-            <ac:spMk id="47" creationId="{00000000-0000-0000-0000-000000000000}"/>
-          </ac:spMkLst>
-        </pc:spChg>
-      </pc:sldChg>
-      <pc:sldChg chg="modSp add">
-        <pc:chgData name="Jamey Johnston" userId="4930901e9435c751" providerId="LiveId" clId="{CA6972B3-6DC2-4218-9A9D-A9AF57148494}" dt="2017-10-02T18:46:30.562" v="5026" actId="20577"/>
-        <pc:sldMkLst>
-          <pc:docMk/>
-          <pc:sldMk cId="289251290" sldId="355"/>
-        </pc:sldMkLst>
-        <pc:spChg chg="mod">
-          <ac:chgData name="Jamey Johnston" userId="4930901e9435c751" providerId="LiveId" clId="{CA6972B3-6DC2-4218-9A9D-A9AF57148494}" dt="2017-10-02T01:13:10.431" v="1995" actId="20577"/>
-          <ac:spMkLst>
-            <pc:docMk/>
-            <pc:sldMk cId="289251290" sldId="355"/>
-            <ac:spMk id="46" creationId="{00000000-0000-0000-0000-000000000000}"/>
-          </ac:spMkLst>
-        </pc:spChg>
-        <pc:spChg chg="mod">
-          <ac:chgData name="Jamey Johnston" userId="4930901e9435c751" providerId="LiveId" clId="{CA6972B3-6DC2-4218-9A9D-A9AF57148494}" dt="2017-10-02T18:46:30.562" v="5026" actId="20577"/>
-          <ac:spMkLst>
-            <pc:docMk/>
-            <pc:sldMk cId="289251290" sldId="355"/>
-            <ac:spMk id="47" creationId="{00000000-0000-0000-0000-000000000000}"/>
-          </ac:spMkLst>
-        </pc:spChg>
-      </pc:sldChg>
-      <pc:sldChg chg="modSp add">
-        <pc:chgData name="Jamey Johnston" userId="4930901e9435c751" providerId="LiveId" clId="{CA6972B3-6DC2-4218-9A9D-A9AF57148494}" dt="2017-10-02T18:57:57.504" v="5331" actId="20577"/>
-        <pc:sldMkLst>
-          <pc:docMk/>
-          <pc:sldMk cId="3579636202" sldId="356"/>
-        </pc:sldMkLst>
-        <pc:spChg chg="mod">
-          <ac:chgData name="Jamey Johnston" userId="4930901e9435c751" providerId="LiveId" clId="{CA6972B3-6DC2-4218-9A9D-A9AF57148494}" dt="2017-10-02T18:57:22.163" v="5322" actId="20577"/>
-          <ac:spMkLst>
-            <pc:docMk/>
-            <pc:sldMk cId="3579636202" sldId="356"/>
-            <ac:spMk id="46" creationId="{00000000-0000-0000-0000-000000000000}"/>
-          </ac:spMkLst>
-        </pc:spChg>
-        <pc:spChg chg="mod">
-          <ac:chgData name="Jamey Johnston" userId="4930901e9435c751" providerId="LiveId" clId="{CA6972B3-6DC2-4218-9A9D-A9AF57148494}" dt="2017-10-02T18:57:57.504" v="5331" actId="20577"/>
-          <ac:spMkLst>
-            <pc:docMk/>
-            <pc:sldMk cId="3579636202" sldId="356"/>
-            <ac:spMk id="47" creationId="{00000000-0000-0000-0000-000000000000}"/>
-          </ac:spMkLst>
-        </pc:spChg>
-      </pc:sldChg>
-      <pc:sldChg chg="addSp delSp modSp add">
-        <pc:chgData name="Jamey Johnston" userId="4930901e9435c751" providerId="LiveId" clId="{CA6972B3-6DC2-4218-9A9D-A9AF57148494}" dt="2017-10-02T18:37:14.766" v="4881" actId="1076"/>
-        <pc:sldMkLst>
-          <pc:docMk/>
-          <pc:sldMk cId="1021977914" sldId="357"/>
-        </pc:sldMkLst>
-        <pc:spChg chg="add del mod">
-          <ac:chgData name="Jamey Johnston" userId="4930901e9435c751" providerId="LiveId" clId="{CA6972B3-6DC2-4218-9A9D-A9AF57148494}" dt="2017-10-02T01:16:05.076" v="2018" actId="478"/>
-          <ac:spMkLst>
-            <pc:docMk/>
-            <pc:sldMk cId="1021977914" sldId="357"/>
-            <ac:spMk id="3" creationId="{3CF5D08C-4553-4420-818A-8A4DADDAE07E}"/>
-          </ac:spMkLst>
-        </pc:spChg>
-        <pc:spChg chg="add del">
-          <ac:chgData name="Jamey Johnston" userId="4930901e9435c751" providerId="LiveId" clId="{CA6972B3-6DC2-4218-9A9D-A9AF57148494}" dt="2017-10-02T01:16:07.606" v="2020" actId="20577"/>
-          <ac:spMkLst>
-            <pc:docMk/>
-            <pc:sldMk cId="1021977914" sldId="357"/>
-            <ac:spMk id="4" creationId="{EEFAB4A7-0EDC-4CD6-B60E-7AF305FD8B4F}"/>
-          </ac:spMkLst>
-        </pc:spChg>
-        <pc:spChg chg="mod">
-          <ac:chgData name="Jamey Johnston" userId="4930901e9435c751" providerId="LiveId" clId="{CA6972B3-6DC2-4218-9A9D-A9AF57148494}" dt="2017-10-02T01:17:22.973" v="2075" actId="20577"/>
-          <ac:spMkLst>
-            <pc:docMk/>
-            <pc:sldMk cId="1021977914" sldId="357"/>
-            <ac:spMk id="46" creationId="{00000000-0000-0000-0000-000000000000}"/>
-          </ac:spMkLst>
-        </pc:spChg>
-        <pc:spChg chg="del">
-          <ac:chgData name="Jamey Johnston" userId="4930901e9435c751" providerId="LiveId" clId="{CA6972B3-6DC2-4218-9A9D-A9AF57148494}" dt="2017-10-02T01:16:03.017" v="2017" actId="478"/>
-          <ac:spMkLst>
-            <pc:docMk/>
-            <pc:sldMk cId="1021977914" sldId="357"/>
-            <ac:spMk id="47" creationId="{00000000-0000-0000-0000-000000000000}"/>
-          </ac:spMkLst>
-        </pc:spChg>
-        <pc:graphicFrameChg chg="add mod modGraphic">
-          <ac:chgData name="Jamey Johnston" userId="4930901e9435c751" providerId="LiveId" clId="{CA6972B3-6DC2-4218-9A9D-A9AF57148494}" dt="2017-10-02T18:37:14.766" v="4881" actId="1076"/>
-          <ac:graphicFrameMkLst>
-            <pc:docMk/>
-            <pc:sldMk cId="1021977914" sldId="357"/>
-            <ac:graphicFrameMk id="8" creationId="{5491F79C-65FB-4436-8206-2D566397C169}"/>
-          </ac:graphicFrameMkLst>
-        </pc:graphicFrameChg>
-      </pc:sldChg>
-      <pc:sldChg chg="modSp add del">
-        <pc:chgData name="Jamey Johnston" userId="4930901e9435c751" providerId="LiveId" clId="{CA6972B3-6DC2-4218-9A9D-A9AF57148494}" dt="2017-10-02T18:55:31.273" v="5227" actId="2696"/>
-        <pc:sldMkLst>
-          <pc:docMk/>
-          <pc:sldMk cId="2574518737" sldId="358"/>
-        </pc:sldMkLst>
-        <pc:spChg chg="mod">
-          <ac:chgData name="Jamey Johnston" userId="4930901e9435c751" providerId="LiveId" clId="{CA6972B3-6DC2-4218-9A9D-A9AF57148494}" dt="2017-10-02T01:22:35.344" v="2172" actId="20577"/>
-          <ac:spMkLst>
-            <pc:docMk/>
-            <pc:sldMk cId="2574518737" sldId="358"/>
-            <ac:spMk id="46" creationId="{00000000-0000-0000-0000-000000000000}"/>
-          </ac:spMkLst>
-        </pc:spChg>
-      </pc:sldChg>
-      <pc:sldChg chg="addSp delSp modSp add">
-        <pc:chgData name="Jamey Johnston" userId="4930901e9435c751" providerId="LiveId" clId="{CA6972B3-6DC2-4218-9A9D-A9AF57148494}" dt="2017-10-02T20:04:36.212" v="6157" actId="20577"/>
-        <pc:sldMkLst>
-          <pc:docMk/>
-          <pc:sldMk cId="4245513114" sldId="359"/>
-        </pc:sldMkLst>
-        <pc:spChg chg="add del">
-          <ac:chgData name="Jamey Johnston" userId="4930901e9435c751" providerId="LiveId" clId="{CA6972B3-6DC2-4218-9A9D-A9AF57148494}" dt="2017-10-02T20:04:26.537" v="6154" actId="20577"/>
-          <ac:spMkLst>
-            <pc:docMk/>
-            <pc:sldMk cId="4245513114" sldId="359"/>
-            <ac:spMk id="2" creationId="{A35F2715-3FBF-4ADA-ABB4-432F6241023A}"/>
-          </ac:spMkLst>
-        </pc:spChg>
-        <pc:spChg chg="add mod">
-          <ac:chgData name="Jamey Johnston" userId="4930901e9435c751" providerId="LiveId" clId="{CA6972B3-6DC2-4218-9A9D-A9AF57148494}" dt="2017-10-02T20:01:57.306" v="6024" actId="20577"/>
-          <ac:spMkLst>
-            <pc:docMk/>
-            <pc:sldMk cId="4245513114" sldId="359"/>
-            <ac:spMk id="5" creationId="{C62CF10E-C07E-4265-8DA1-F6DA48597877}"/>
-          </ac:spMkLst>
-        </pc:spChg>
-        <pc:spChg chg="add mod">
-          <ac:chgData name="Jamey Johnston" userId="4930901e9435c751" providerId="LiveId" clId="{CA6972B3-6DC2-4218-9A9D-A9AF57148494}" dt="2017-10-02T20:03:42.244" v="6081" actId="20577"/>
-          <ac:spMkLst>
-            <pc:docMk/>
-            <pc:sldMk cId="4245513114" sldId="359"/>
-            <ac:spMk id="6" creationId="{30AC6F54-0184-4052-8C4C-6F0600789536}"/>
-          </ac:spMkLst>
-        </pc:spChg>
-        <pc:spChg chg="add mod">
-          <ac:chgData name="Jamey Johnston" userId="4930901e9435c751" providerId="LiveId" clId="{CA6972B3-6DC2-4218-9A9D-A9AF57148494}" dt="2017-10-02T20:03:47.076" v="6098" actId="20577"/>
-          <ac:spMkLst>
-            <pc:docMk/>
-            <pc:sldMk cId="4245513114" sldId="359"/>
-            <ac:spMk id="7" creationId="{3F3A2AB6-D863-402D-8E1C-65DC4BF22A47}"/>
-          </ac:spMkLst>
-        </pc:spChg>
-        <pc:spChg chg="add mod">
-          <ac:chgData name="Jamey Johnston" userId="4930901e9435c751" providerId="LiveId" clId="{CA6972B3-6DC2-4218-9A9D-A9AF57148494}" dt="2017-10-02T20:04:36.212" v="6157" actId="20577"/>
-          <ac:spMkLst>
-            <pc:docMk/>
-            <pc:sldMk cId="4245513114" sldId="359"/>
-            <ac:spMk id="8" creationId="{30593253-29FA-4968-B192-345F18CC0B7B}"/>
-          </ac:spMkLst>
-        </pc:spChg>
-        <pc:spChg chg="mod">
-          <ac:chgData name="Jamey Johnston" userId="4930901e9435c751" providerId="LiveId" clId="{CA6972B3-6DC2-4218-9A9D-A9AF57148494}" dt="2017-10-02T02:08:32.091" v="3027" actId="20577"/>
-          <ac:spMkLst>
-            <pc:docMk/>
-            <pc:sldMk cId="4245513114" sldId="359"/>
-            <ac:spMk id="38" creationId="{00000000-0000-0000-0000-000000000000}"/>
-          </ac:spMkLst>
-        </pc:spChg>
-        <pc:spChg chg="mod">
-          <ac:chgData name="Jamey Johnston" userId="4930901e9435c751" providerId="LiveId" clId="{CA6972B3-6DC2-4218-9A9D-A9AF57148494}" dt="2017-10-02T20:00:39.895" v="5954" actId="20577"/>
-          <ac:spMkLst>
-            <pc:docMk/>
-            <pc:sldMk cId="4245513114" sldId="359"/>
-            <ac:spMk id="46" creationId="{00000000-0000-0000-0000-000000000000}"/>
-          </ac:spMkLst>
-        </pc:spChg>
-        <pc:spChg chg="mod">
-          <ac:chgData name="Jamey Johnston" userId="4930901e9435c751" providerId="LiveId" clId="{CA6972B3-6DC2-4218-9A9D-A9AF57148494}" dt="2017-10-02T20:01:01.341" v="5991" actId="20577"/>
-          <ac:spMkLst>
-            <pc:docMk/>
-            <pc:sldMk cId="4245513114" sldId="359"/>
-            <ac:spMk id="47" creationId="{00000000-0000-0000-0000-000000000000}"/>
-          </ac:spMkLst>
-        </pc:spChg>
-      </pc:sldChg>
-      <pc:sldChg chg="modSp add ord">
-        <pc:chgData name="Jamey Johnston" userId="4930901e9435c751" providerId="LiveId" clId="{CA6972B3-6DC2-4218-9A9D-A9AF57148494}" dt="2017-10-02T15:34:07.074" v="3211" actId="20577"/>
-        <pc:sldMkLst>
-          <pc:docMk/>
-          <pc:sldMk cId="3303509083" sldId="360"/>
-        </pc:sldMkLst>
-        <pc:spChg chg="mod">
-          <ac:chgData name="Jamey Johnston" userId="4930901e9435c751" providerId="LiveId" clId="{CA6972B3-6DC2-4218-9A9D-A9AF57148494}" dt="2017-10-02T15:34:07.074" v="3211" actId="20577"/>
-          <ac:spMkLst>
-            <pc:docMk/>
-            <pc:sldMk cId="3303509083" sldId="360"/>
-            <ac:spMk id="4" creationId="{00000000-0000-0000-0000-000000000000}"/>
-          </ac:spMkLst>
-        </pc:spChg>
-      </pc:sldChg>
-      <pc:sldChg chg="modSp add ord">
-        <pc:chgData name="Jamey Johnston" userId="4930901e9435c751" providerId="LiveId" clId="{CA6972B3-6DC2-4218-9A9D-A9AF57148494}" dt="2017-10-02T15:35:01.557" v="3240" actId="20577"/>
-        <pc:sldMkLst>
-          <pc:docMk/>
-          <pc:sldMk cId="333428290" sldId="361"/>
-        </pc:sldMkLst>
-        <pc:spChg chg="mod">
-          <ac:chgData name="Jamey Johnston" userId="4930901e9435c751" providerId="LiveId" clId="{CA6972B3-6DC2-4218-9A9D-A9AF57148494}" dt="2017-10-02T15:35:01.557" v="3240" actId="20577"/>
-          <ac:spMkLst>
-            <pc:docMk/>
-            <pc:sldMk cId="333428290" sldId="361"/>
-            <ac:spMk id="4" creationId="{00000000-0000-0000-0000-000000000000}"/>
-          </ac:spMkLst>
-        </pc:spChg>
-      </pc:sldChg>
-      <pc:sldChg chg="modSp add ord">
-        <pc:chgData name="Jamey Johnston" userId="4930901e9435c751" providerId="LiveId" clId="{CA6972B3-6DC2-4218-9A9D-A9AF57148494}" dt="2017-10-02T15:35:45.109" v="3256" actId="20577"/>
-        <pc:sldMkLst>
-          <pc:docMk/>
-          <pc:sldMk cId="754457709" sldId="362"/>
-        </pc:sldMkLst>
-        <pc:spChg chg="mod">
-          <ac:chgData name="Jamey Johnston" userId="4930901e9435c751" providerId="LiveId" clId="{CA6972B3-6DC2-4218-9A9D-A9AF57148494}" dt="2017-10-02T15:35:45.109" v="3256" actId="20577"/>
-          <ac:spMkLst>
-            <pc:docMk/>
-            <pc:sldMk cId="754457709" sldId="362"/>
-            <ac:spMk id="4" creationId="{00000000-0000-0000-0000-000000000000}"/>
-          </ac:spMkLst>
-        </pc:spChg>
-      </pc:sldChg>
-      <pc:sldChg chg="modSp add ord">
-        <pc:chgData name="Jamey Johnston" userId="4930901e9435c751" providerId="LiveId" clId="{CA6972B3-6DC2-4218-9A9D-A9AF57148494}" dt="2017-10-02T15:36:17.918" v="3335" actId="20577"/>
-        <pc:sldMkLst>
-          <pc:docMk/>
-          <pc:sldMk cId="4028637534" sldId="363"/>
-        </pc:sldMkLst>
-        <pc:spChg chg="mod">
-          <ac:chgData name="Jamey Johnston" userId="4930901e9435c751" providerId="LiveId" clId="{CA6972B3-6DC2-4218-9A9D-A9AF57148494}" dt="2017-10-02T15:36:17.918" v="3335" actId="20577"/>
-          <ac:spMkLst>
-            <pc:docMk/>
-            <pc:sldMk cId="4028637534" sldId="363"/>
-            <ac:spMk id="4" creationId="{00000000-0000-0000-0000-000000000000}"/>
-          </ac:spMkLst>
-        </pc:spChg>
-      </pc:sldChg>
-      <pc:sldChg chg="addSp delSp modSp add ord">
-        <pc:chgData name="Jamey Johnston" userId="4930901e9435c751" providerId="LiveId" clId="{CA6972B3-6DC2-4218-9A9D-A9AF57148494}" dt="2017-10-02T20:16:26.806" v="6342" actId="313"/>
-        <pc:sldMkLst>
-          <pc:docMk/>
-          <pc:sldMk cId="571556420" sldId="364"/>
-        </pc:sldMkLst>
-        <pc:spChg chg="add del">
-          <ac:chgData name="Jamey Johnston" userId="4930901e9435c751" providerId="LiveId" clId="{CA6972B3-6DC2-4218-9A9D-A9AF57148494}" dt="2017-10-02T18:04:40.929" v="3894" actId="20577"/>
-          <ac:spMkLst>
-            <pc:docMk/>
-            <pc:sldMk cId="571556420" sldId="364"/>
-            <ac:spMk id="2" creationId="{94DB6EFE-B15C-49D1-87C5-BBDBF47009C8}"/>
-          </ac:spMkLst>
-        </pc:spChg>
-        <pc:spChg chg="del">
-          <ac:chgData name="Jamey Johnston" userId="4930901e9435c751" providerId="LiveId" clId="{CA6972B3-6DC2-4218-9A9D-A9AF57148494}" dt="2017-10-02T15:45:56.119" v="3616" actId="478"/>
-          <ac:spMkLst>
-            <pc:docMk/>
-            <pc:sldMk cId="571556420" sldId="364"/>
-            <ac:spMk id="5" creationId="{F7B8FBDD-B6FC-4447-ABA3-D23FBBA41504}"/>
-          </ac:spMkLst>
-        </pc:spChg>
-        <pc:spChg chg="del mod">
-          <ac:chgData name="Jamey Johnston" userId="4930901e9435c751" providerId="LiveId" clId="{CA6972B3-6DC2-4218-9A9D-A9AF57148494}" dt="2017-10-02T15:45:54.415" v="3615" actId="478"/>
-          <ac:spMkLst>
-            <pc:docMk/>
-            <pc:sldMk cId="571556420" sldId="364"/>
-            <ac:spMk id="6" creationId="{85E45519-1191-4D95-B0D3-C564D1817BD0}"/>
-          </ac:spMkLst>
-        </pc:spChg>
-        <pc:spChg chg="mod">
-          <ac:chgData name="Jamey Johnston" userId="4930901e9435c751" providerId="LiveId" clId="{CA6972B3-6DC2-4218-9A9D-A9AF57148494}" dt="2017-10-02T20:16:26.806" v="6342" actId="313"/>
-          <ac:spMkLst>
-            <pc:docMk/>
-            <pc:sldMk cId="571556420" sldId="364"/>
-            <ac:spMk id="46" creationId="{00000000-0000-0000-0000-000000000000}"/>
-          </ac:spMkLst>
-        </pc:spChg>
-        <pc:spChg chg="mod">
-          <ac:chgData name="Jamey Johnston" userId="4930901e9435c751" providerId="LiveId" clId="{CA6972B3-6DC2-4218-9A9D-A9AF57148494}" dt="2017-10-02T18:05:54.952" v="3912" actId="20577"/>
-          <ac:spMkLst>
-            <pc:docMk/>
-            <pc:sldMk cId="571556420" sldId="364"/>
-            <ac:spMk id="47" creationId="{00000000-0000-0000-0000-000000000000}"/>
-          </ac:spMkLst>
-        </pc:spChg>
-      </pc:sldChg>
-      <pc:sldChg chg="add del">
-        <pc:chgData name="Jamey Johnston" userId="4930901e9435c751" providerId="LiveId" clId="{CA6972B3-6DC2-4218-9A9D-A9AF57148494}" dt="2017-10-02T15:44:21.929" v="3444" actId="20577"/>
-        <pc:sldMkLst>
-          <pc:docMk/>
-          <pc:sldMk cId="4122734795" sldId="364"/>
-        </pc:sldMkLst>
-      </pc:sldChg>
-      <pc:sldChg chg="modSp add ord">
-        <pc:chgData name="Jamey Johnston" userId="4930901e9435c751" providerId="LiveId" clId="{CA6972B3-6DC2-4218-9A9D-A9AF57148494}" dt="2017-10-02T18:06:31.506" v="3929" actId="20577"/>
-        <pc:sldMkLst>
-          <pc:docMk/>
-          <pc:sldMk cId="2641053056" sldId="365"/>
-        </pc:sldMkLst>
-        <pc:spChg chg="mod">
-          <ac:chgData name="Jamey Johnston" userId="4930901e9435c751" providerId="LiveId" clId="{CA6972B3-6DC2-4218-9A9D-A9AF57148494}" dt="2017-10-02T18:06:31.506" v="3929" actId="20577"/>
-          <ac:spMkLst>
-            <pc:docMk/>
-            <pc:sldMk cId="2641053056" sldId="365"/>
-            <ac:spMk id="4" creationId="{00000000-0000-0000-0000-000000000000}"/>
-          </ac:spMkLst>
-        </pc:spChg>
-      </pc:sldChg>
-      <pc:sldChg chg="addSp delSp modSp add ord">
-        <pc:chgData name="Jamey Johnston" userId="4930901e9435c751" providerId="LiveId" clId="{CA6972B3-6DC2-4218-9A9D-A9AF57148494}" dt="2017-10-02T18:26:57.167" v="4580" actId="1076"/>
-        <pc:sldMkLst>
-          <pc:docMk/>
-          <pc:sldMk cId="894873289" sldId="366"/>
-        </pc:sldMkLst>
-        <pc:spChg chg="mod">
-          <ac:chgData name="Jamey Johnston" userId="4930901e9435c751" providerId="LiveId" clId="{CA6972B3-6DC2-4218-9A9D-A9AF57148494}" dt="2017-10-02T18:16:56.151" v="4347" actId="20577"/>
-          <ac:spMkLst>
-            <pc:docMk/>
-            <pc:sldMk cId="894873289" sldId="366"/>
-            <ac:spMk id="38" creationId="{00000000-0000-0000-0000-000000000000}"/>
-          </ac:spMkLst>
-        </pc:spChg>
-        <pc:spChg chg="mod">
-          <ac:chgData name="Jamey Johnston" userId="4930901e9435c751" providerId="LiveId" clId="{CA6972B3-6DC2-4218-9A9D-A9AF57148494}" dt="2017-10-02T18:24:03.130" v="4539" actId="20577"/>
-          <ac:spMkLst>
-            <pc:docMk/>
-            <pc:sldMk cId="894873289" sldId="366"/>
-            <ac:spMk id="46" creationId="{00000000-0000-0000-0000-000000000000}"/>
-          </ac:spMkLst>
-        </pc:spChg>
-        <pc:spChg chg="del mod">
-          <ac:chgData name="Jamey Johnston" userId="4930901e9435c751" providerId="LiveId" clId="{CA6972B3-6DC2-4218-9A9D-A9AF57148494}" dt="2017-10-02T18:23:31.342" v="4490" actId="1076"/>
-          <ac:spMkLst>
-            <pc:docMk/>
-            <pc:sldMk cId="894873289" sldId="366"/>
-            <ac:spMk id="47" creationId="{00000000-0000-0000-0000-000000000000}"/>
-          </ac:spMkLst>
-        </pc:spChg>
-        <pc:picChg chg="add mod">
-          <ac:chgData name="Jamey Johnston" userId="4930901e9435c751" providerId="LiveId" clId="{CA6972B3-6DC2-4218-9A9D-A9AF57148494}" dt="2017-10-02T18:26:57.167" v="4580" actId="1076"/>
-          <ac:picMkLst>
-            <pc:docMk/>
-            <pc:sldMk cId="894873289" sldId="366"/>
-            <ac:picMk id="2" creationId="{B30554EA-74EC-400E-9682-38AF729DEF0F}"/>
-          </ac:picMkLst>
-        </pc:picChg>
-        <pc:picChg chg="add mod">
-          <ac:chgData name="Jamey Johnston" userId="4930901e9435c751" providerId="LiveId" clId="{CA6972B3-6DC2-4218-9A9D-A9AF57148494}" dt="2017-10-02T18:26:50.749" v="4573" actId="1076"/>
-          <ac:picMkLst>
-            <pc:docMk/>
-            <pc:sldMk cId="894873289" sldId="366"/>
-            <ac:picMk id="3" creationId="{4A4BEE9A-64BA-44B6-B2F6-68CECF87C9CF}"/>
-          </ac:picMkLst>
-        </pc:picChg>
-      </pc:sldChg>
-      <pc:sldChg chg="modSp add">
-        <pc:chgData name="Jamey Johnston" userId="4930901e9435c751" providerId="LiveId" clId="{CA6972B3-6DC2-4218-9A9D-A9AF57148494}" dt="2017-10-02T18:27:23.001" v="4595" actId="20577"/>
-        <pc:sldMkLst>
-          <pc:docMk/>
-          <pc:sldMk cId="367756277" sldId="367"/>
-        </pc:sldMkLst>
-        <pc:spChg chg="mod">
-          <ac:chgData name="Jamey Johnston" userId="4930901e9435c751" providerId="LiveId" clId="{CA6972B3-6DC2-4218-9A9D-A9AF57148494}" dt="2017-10-02T18:27:23.001" v="4595" actId="20577"/>
-          <ac:spMkLst>
-            <pc:docMk/>
-            <pc:sldMk cId="367756277" sldId="367"/>
-            <ac:spMk id="4" creationId="{00000000-0000-0000-0000-000000000000}"/>
-          </ac:spMkLst>
-        </pc:spChg>
-      </pc:sldChg>
-      <pc:sldChg chg="modSp add">
-        <pc:chgData name="Jamey Johnston" userId="4930901e9435c751" providerId="LiveId" clId="{CA6972B3-6DC2-4218-9A9D-A9AF57148494}" dt="2017-10-02T18:51:09.705" v="5059" actId="1076"/>
-        <pc:sldMkLst>
-          <pc:docMk/>
-          <pc:sldMk cId="3163926009" sldId="368"/>
-        </pc:sldMkLst>
-        <pc:spChg chg="mod">
-          <ac:chgData name="Jamey Johnston" userId="4930901e9435c751" providerId="LiveId" clId="{CA6972B3-6DC2-4218-9A9D-A9AF57148494}" dt="2017-10-02T18:34:14.263" v="4706" actId="1076"/>
-          <ac:spMkLst>
-            <pc:docMk/>
-            <pc:sldMk cId="3163926009" sldId="368"/>
-            <ac:spMk id="5" creationId="{18CAE5D0-13B9-4F88-9639-A3E69184EB4A}"/>
-          </ac:spMkLst>
-        </pc:spChg>
-        <pc:spChg chg="mod">
-          <ac:chgData name="Jamey Johnston" userId="4930901e9435c751" providerId="LiveId" clId="{CA6972B3-6DC2-4218-9A9D-A9AF57148494}" dt="2017-10-02T18:35:06.955" v="4755" actId="1076"/>
-          <ac:spMkLst>
-            <pc:docMk/>
-            <pc:sldMk cId="3163926009" sldId="368"/>
-            <ac:spMk id="6" creationId="{C1E8EA70-9D22-4E0C-82C8-0033174BC94C}"/>
-          </ac:spMkLst>
-        </pc:spChg>
-        <pc:spChg chg="mod">
-          <ac:chgData name="Jamey Johnston" userId="4930901e9435c751" providerId="LiveId" clId="{CA6972B3-6DC2-4218-9A9D-A9AF57148494}" dt="2017-10-02T18:33:12.588" v="4680" actId="20577"/>
-          <ac:spMkLst>
-            <pc:docMk/>
-            <pc:sldMk cId="3163926009" sldId="368"/>
-            <ac:spMk id="38" creationId="{00000000-0000-0000-0000-000000000000}"/>
-          </ac:spMkLst>
-        </pc:spChg>
-        <pc:spChg chg="mod">
-          <ac:chgData name="Jamey Johnston" userId="4930901e9435c751" providerId="LiveId" clId="{CA6972B3-6DC2-4218-9A9D-A9AF57148494}" dt="2017-10-02T18:33:30.797" v="4685" actId="20577"/>
-          <ac:spMkLst>
-            <pc:docMk/>
-            <pc:sldMk cId="3163926009" sldId="368"/>
-            <ac:spMk id="46" creationId="{00000000-0000-0000-0000-000000000000}"/>
-          </ac:spMkLst>
-        </pc:spChg>
-        <pc:spChg chg="mod">
-          <ac:chgData name="Jamey Johnston" userId="4930901e9435c751" providerId="LiveId" clId="{CA6972B3-6DC2-4218-9A9D-A9AF57148494}" dt="2017-10-02T18:51:09.705" v="5059" actId="1076"/>
-          <ac:spMkLst>
-            <pc:docMk/>
-            <pc:sldMk cId="3163926009" sldId="368"/>
-            <ac:spMk id="47" creationId="{00000000-0000-0000-0000-000000000000}"/>
-          </ac:spMkLst>
-        </pc:spChg>
-      </pc:sldChg>
-      <pc:sldChg chg="modSp add">
-        <pc:chgData name="Jamey Johnston" userId="4930901e9435c751" providerId="LiveId" clId="{CA6972B3-6DC2-4218-9A9D-A9AF57148494}" dt="2017-10-02T18:36:13.921" v="4877" actId="20577"/>
-        <pc:sldMkLst>
-          <pc:docMk/>
-          <pc:sldMk cId="526650018" sldId="369"/>
-        </pc:sldMkLst>
-        <pc:spChg chg="mod">
-          <ac:chgData name="Jamey Johnston" userId="4930901e9435c751" providerId="LiveId" clId="{CA6972B3-6DC2-4218-9A9D-A9AF57148494}" dt="2017-10-02T18:35:41.904" v="4842" actId="20577"/>
-          <ac:spMkLst>
-            <pc:docMk/>
-            <pc:sldMk cId="526650018" sldId="369"/>
-            <ac:spMk id="5" creationId="{18CAE5D0-13B9-4F88-9639-A3E69184EB4A}"/>
-          </ac:spMkLst>
-        </pc:spChg>
-        <pc:spChg chg="mod">
-          <ac:chgData name="Jamey Johnston" userId="4930901e9435c751" providerId="LiveId" clId="{CA6972B3-6DC2-4218-9A9D-A9AF57148494}" dt="2017-10-02T18:36:13.921" v="4877" actId="20577"/>
-          <ac:spMkLst>
-            <pc:docMk/>
-            <pc:sldMk cId="526650018" sldId="369"/>
-            <ac:spMk id="6" creationId="{C1E8EA70-9D22-4E0C-82C8-0033174BC94C}"/>
-          </ac:spMkLst>
-        </pc:spChg>
-        <pc:spChg chg="mod">
-          <ac:chgData name="Jamey Johnston" userId="4930901e9435c751" providerId="LiveId" clId="{CA6972B3-6DC2-4218-9A9D-A9AF57148494}" dt="2017-10-02T18:35:29.890" v="4783" actId="20577"/>
-          <ac:spMkLst>
-            <pc:docMk/>
-            <pc:sldMk cId="526650018" sldId="369"/>
-            <ac:spMk id="46" creationId="{00000000-0000-0000-0000-000000000000}"/>
-          </ac:spMkLst>
-        </pc:spChg>
-        <pc:spChg chg="mod">
-          <ac:chgData name="Jamey Johnston" userId="4930901e9435c751" providerId="LiveId" clId="{CA6972B3-6DC2-4218-9A9D-A9AF57148494}" dt="2017-10-02T18:36:00.234" v="4853" actId="20577"/>
-          <ac:spMkLst>
-            <pc:docMk/>
-            <pc:sldMk cId="526650018" sldId="369"/>
-            <ac:spMk id="47" creationId="{00000000-0000-0000-0000-000000000000}"/>
-          </ac:spMkLst>
-        </pc:spChg>
-      </pc:sldChg>
-      <pc:sldChg chg="modSp add">
-        <pc:chgData name="Jamey Johnston" userId="4930901e9435c751" providerId="LiveId" clId="{CA6972B3-6DC2-4218-9A9D-A9AF57148494}" dt="2017-10-02T18:39:22.350" v="4987" actId="20577"/>
-        <pc:sldMkLst>
-          <pc:docMk/>
-          <pc:sldMk cId="3396912505" sldId="370"/>
-        </pc:sldMkLst>
-        <pc:spChg chg="mod">
-          <ac:chgData name="Jamey Johnston" userId="4930901e9435c751" providerId="LiveId" clId="{CA6972B3-6DC2-4218-9A9D-A9AF57148494}" dt="2017-10-02T18:39:11.628" v="4976" actId="20577"/>
-          <ac:spMkLst>
-            <pc:docMk/>
-            <pc:sldMk cId="3396912505" sldId="370"/>
-            <ac:spMk id="46" creationId="{00000000-0000-0000-0000-000000000000}"/>
-          </ac:spMkLst>
-        </pc:spChg>
-        <pc:spChg chg="mod">
-          <ac:chgData name="Jamey Johnston" userId="4930901e9435c751" providerId="LiveId" clId="{CA6972B3-6DC2-4218-9A9D-A9AF57148494}" dt="2017-10-02T18:39:22.350" v="4987" actId="20577"/>
-          <ac:spMkLst>
-            <pc:docMk/>
-            <pc:sldMk cId="3396912505" sldId="370"/>
-            <ac:spMk id="47" creationId="{00000000-0000-0000-0000-000000000000}"/>
-          </ac:spMkLst>
-        </pc:spChg>
-      </pc:sldChg>
-      <pc:sldChg chg="addSp delSp modSp add">
-        <pc:chgData name="Jamey Johnston" userId="4930901e9435c751" providerId="LiveId" clId="{CA6972B3-6DC2-4218-9A9D-A9AF57148494}" dt="2017-10-02T18:47:12.247" v="5052" actId="20577"/>
-        <pc:sldMkLst>
-          <pc:docMk/>
-          <pc:sldMk cId="2064485214" sldId="371"/>
-        </pc:sldMkLst>
-        <pc:spChg chg="add del mod">
-          <ac:chgData name="Jamey Johnston" userId="4930901e9435c751" providerId="LiveId" clId="{CA6972B3-6DC2-4218-9A9D-A9AF57148494}" dt="2017-10-02T18:47:05.109" v="5051" actId="20577"/>
-          <ac:spMkLst>
-            <pc:docMk/>
-            <pc:sldMk cId="2064485214" sldId="371"/>
-            <ac:spMk id="2" creationId="{63679CE1-FA85-48CE-958B-7D94DBFDF326}"/>
-          </ac:spMkLst>
-        </pc:spChg>
-        <pc:spChg chg="mod">
-          <ac:chgData name="Jamey Johnston" userId="4930901e9435c751" providerId="LiveId" clId="{CA6972B3-6DC2-4218-9A9D-A9AF57148494}" dt="2017-10-02T18:46:48.032" v="5045" actId="20577"/>
-          <ac:spMkLst>
-            <pc:docMk/>
-            <pc:sldMk cId="2064485214" sldId="371"/>
-            <ac:spMk id="46" creationId="{00000000-0000-0000-0000-000000000000}"/>
-          </ac:spMkLst>
-        </pc:spChg>
-        <pc:spChg chg="add del mod">
-          <ac:chgData name="Jamey Johnston" userId="4930901e9435c751" providerId="LiveId" clId="{CA6972B3-6DC2-4218-9A9D-A9AF57148494}" dt="2017-10-02T18:47:12.247" v="5052" actId="20577"/>
-          <ac:spMkLst>
-            <pc:docMk/>
-            <pc:sldMk cId="2064485214" sldId="371"/>
-            <ac:spMk id="47" creationId="{00000000-0000-0000-0000-000000000000}"/>
-          </ac:spMkLst>
-        </pc:spChg>
-      </pc:sldChg>
-      <pc:sldChg chg="modSp add">
-        <pc:chgData name="Jamey Johnston" userId="4930901e9435c751" providerId="LiveId" clId="{CA6972B3-6DC2-4218-9A9D-A9AF57148494}" dt="2017-10-02T18:49:33.970" v="5055" actId="20577"/>
-        <pc:sldMkLst>
-          <pc:docMk/>
-          <pc:sldMk cId="3313577539" sldId="372"/>
-        </pc:sldMkLst>
-        <pc:spChg chg="mod">
-          <ac:chgData name="Jamey Johnston" userId="4930901e9435c751" providerId="LiveId" clId="{CA6972B3-6DC2-4218-9A9D-A9AF57148494}" dt="2017-10-02T18:49:33.970" v="5055" actId="20577"/>
-          <ac:spMkLst>
-            <pc:docMk/>
-            <pc:sldMk cId="3313577539" sldId="372"/>
-            <ac:spMk id="46" creationId="{00000000-0000-0000-0000-000000000000}"/>
-          </ac:spMkLst>
-        </pc:spChg>
-        <pc:spChg chg="mod">
-          <ac:chgData name="Jamey Johnston" userId="4930901e9435c751" providerId="LiveId" clId="{CA6972B3-6DC2-4218-9A9D-A9AF57148494}" dt="2017-10-02T18:49:26.982" v="5054" actId="20577"/>
-          <ac:spMkLst>
-            <pc:docMk/>
-            <pc:sldMk cId="3313577539" sldId="372"/>
-            <ac:spMk id="47" creationId="{00000000-0000-0000-0000-000000000000}"/>
-          </ac:spMkLst>
-        </pc:spChg>
-      </pc:sldChg>
-      <pc:sldChg chg="modSp add">
-        <pc:chgData name="Jamey Johnston" userId="4930901e9435c751" providerId="LiveId" clId="{CA6972B3-6DC2-4218-9A9D-A9AF57148494}" dt="2017-10-02T18:51:51.691" v="5070" actId="403"/>
+        <pc:chgData name="Jamey Johnston" userId="4930901e9435c751" providerId="LiveId" clId="{7A5A4516-421D-4DAA-A89B-53ACACC78F29}" dt="2018-08-11T17:51:18.725" v="17" actId="404"/>
         <pc:sldMkLst>
           <pc:docMk/>
           <pc:sldMk cId="660933754" sldId="373"/>
         </pc:sldMkLst>
         <pc:spChg chg="mod">
-          <ac:chgData name="Jamey Johnston" userId="4930901e9435c751" providerId="LiveId" clId="{CA6972B3-6DC2-4218-9A9D-A9AF57148494}" dt="2017-10-02T18:50:12.633" v="5058" actId="403"/>
+          <ac:chgData name="Jamey Johnston" userId="4930901e9435c751" providerId="LiveId" clId="{7A5A4516-421D-4DAA-A89B-53ACACC78F29}" dt="2018-08-11T17:51:18.725" v="17" actId="404"/>
           <ac:spMkLst>
             <pc:docMk/>
             <pc:sldMk cId="660933754" sldId="373"/>
             <ac:spMk id="46" creationId="{00000000-0000-0000-0000-000000000000}"/>
           </ac:spMkLst>
         </pc:spChg>
-        <pc:spChg chg="mod">
-          <ac:chgData name="Jamey Johnston" userId="4930901e9435c751" providerId="LiveId" clId="{CA6972B3-6DC2-4218-9A9D-A9AF57148494}" dt="2017-10-02T18:51:51.691" v="5070" actId="403"/>
-          <ac:spMkLst>
-            <pc:docMk/>
-            <pc:sldMk cId="660933754" sldId="373"/>
-            <ac:spMk id="47" creationId="{00000000-0000-0000-0000-000000000000}"/>
-          </ac:spMkLst>
-        </pc:spChg>
-      </pc:sldChg>
-      <pc:sldChg chg="addSp delSp modSp add">
-        <pc:chgData name="Jamey Johnston" userId="4930901e9435c751" providerId="LiveId" clId="{CA6972B3-6DC2-4218-9A9D-A9AF57148494}" dt="2017-10-02T18:54:43.455" v="5204" actId="20577"/>
-        <pc:sldMkLst>
-          <pc:docMk/>
-          <pc:sldMk cId="1154847043" sldId="374"/>
-        </pc:sldMkLst>
-        <pc:spChg chg="add del">
-          <ac:chgData name="Jamey Johnston" userId="4930901e9435c751" providerId="LiveId" clId="{CA6972B3-6DC2-4218-9A9D-A9AF57148494}" dt="2017-10-02T18:53:19.181" v="5155" actId="20577"/>
-          <ac:spMkLst>
-            <pc:docMk/>
-            <pc:sldMk cId="1154847043" sldId="374"/>
-            <ac:spMk id="2" creationId="{6C0658F8-FF41-48B0-864D-1E0BC691A22C}"/>
-          </ac:spMkLst>
-        </pc:spChg>
-        <pc:spChg chg="mod">
-          <ac:chgData name="Jamey Johnston" userId="4930901e9435c751" providerId="LiveId" clId="{CA6972B3-6DC2-4218-9A9D-A9AF57148494}" dt="2017-10-02T18:54:43.455" v="5204" actId="20577"/>
-          <ac:spMkLst>
-            <pc:docMk/>
-            <pc:sldMk cId="1154847043" sldId="374"/>
-            <ac:spMk id="46" creationId="{00000000-0000-0000-0000-000000000000}"/>
-          </ac:spMkLst>
-        </pc:spChg>
-        <pc:spChg chg="mod">
-          <ac:chgData name="Jamey Johnston" userId="4930901e9435c751" providerId="LiveId" clId="{CA6972B3-6DC2-4218-9A9D-A9AF57148494}" dt="2017-10-02T18:53:57.099" v="5164" actId="404"/>
-          <ac:spMkLst>
-            <pc:docMk/>
-            <pc:sldMk cId="1154847043" sldId="374"/>
-            <ac:spMk id="47" creationId="{00000000-0000-0000-0000-000000000000}"/>
-          </ac:spMkLst>
-        </pc:spChg>
-      </pc:sldChg>
-      <pc:sldChg chg="modSp add">
-        <pc:chgData name="Jamey Johnston" userId="4930901e9435c751" providerId="LiveId" clId="{CA6972B3-6DC2-4218-9A9D-A9AF57148494}" dt="2017-10-02T18:58:50.595" v="5333" actId="14100"/>
-        <pc:sldMkLst>
-          <pc:docMk/>
-          <pc:sldMk cId="2439003065" sldId="375"/>
-        </pc:sldMkLst>
-        <pc:spChg chg="mod">
-          <ac:chgData name="Jamey Johnston" userId="4930901e9435c751" providerId="LiveId" clId="{CA6972B3-6DC2-4218-9A9D-A9AF57148494}" dt="2017-10-02T18:58:50.595" v="5333" actId="14100"/>
-          <ac:spMkLst>
-            <pc:docMk/>
-            <pc:sldMk cId="2439003065" sldId="375"/>
-            <ac:spMk id="47" creationId="{00000000-0000-0000-0000-000000000000}"/>
-          </ac:spMkLst>
-        </pc:spChg>
-      </pc:sldChg>
-      <pc:sldChg chg="modSp add">
-        <pc:chgData name="Jamey Johnston" userId="4930901e9435c751" providerId="LiveId" clId="{CA6972B3-6DC2-4218-9A9D-A9AF57148494}" dt="2017-10-02T19:44:52.203" v="5787" actId="108"/>
-        <pc:sldMkLst>
-          <pc:docMk/>
-          <pc:sldMk cId="73091176" sldId="376"/>
-        </pc:sldMkLst>
-        <pc:spChg chg="mod">
-          <ac:chgData name="Jamey Johnston" userId="4930901e9435c751" providerId="LiveId" clId="{CA6972B3-6DC2-4218-9A9D-A9AF57148494}" dt="2017-10-02T19:41:36.945" v="5764" actId="20577"/>
-          <ac:spMkLst>
-            <pc:docMk/>
-            <pc:sldMk cId="73091176" sldId="376"/>
-            <ac:spMk id="46" creationId="{00000000-0000-0000-0000-000000000000}"/>
-          </ac:spMkLst>
-        </pc:spChg>
-        <pc:spChg chg="mod">
-          <ac:chgData name="Jamey Johnston" userId="4930901e9435c751" providerId="LiveId" clId="{CA6972B3-6DC2-4218-9A9D-A9AF57148494}" dt="2017-10-02T19:44:52.203" v="5787" actId="108"/>
-          <ac:spMkLst>
-            <pc:docMk/>
-            <pc:sldMk cId="73091176" sldId="376"/>
-            <ac:spMk id="47" creationId="{00000000-0000-0000-0000-000000000000}"/>
-          </ac:spMkLst>
-        </pc:spChg>
-      </pc:sldChg>
-      <pc:sldChg chg="addSp delSp modSp add">
-        <pc:chgData name="Jamey Johnston" userId="4930901e9435c751" providerId="LiveId" clId="{CA6972B3-6DC2-4218-9A9D-A9AF57148494}" dt="2017-10-02T19:55:45.481" v="5892" actId="313"/>
-        <pc:sldMkLst>
-          <pc:docMk/>
-          <pc:sldMk cId="1363140244" sldId="377"/>
-        </pc:sldMkLst>
-        <pc:spChg chg="add del">
-          <ac:chgData name="Jamey Johnston" userId="4930901e9435c751" providerId="LiveId" clId="{CA6972B3-6DC2-4218-9A9D-A9AF57148494}" dt="2017-10-02T19:55:43.184" v="5891" actId="313"/>
-          <ac:spMkLst>
-            <pc:docMk/>
-            <pc:sldMk cId="1363140244" sldId="377"/>
-            <ac:spMk id="2" creationId="{9526686B-0CB2-4419-AE99-F71BDF6A9854}"/>
-          </ac:spMkLst>
-        </pc:spChg>
-        <pc:spChg chg="mod">
-          <ac:chgData name="Jamey Johnston" userId="4930901e9435c751" providerId="LiveId" clId="{CA6972B3-6DC2-4218-9A9D-A9AF57148494}" dt="2017-10-02T19:55:45.481" v="5892" actId="313"/>
-          <ac:spMkLst>
-            <pc:docMk/>
-            <pc:sldMk cId="1363140244" sldId="377"/>
-            <ac:spMk id="47" creationId="{00000000-0000-0000-0000-000000000000}"/>
-          </ac:spMkLst>
-        </pc:spChg>
-      </pc:sldChg>
-      <pc:sldChg chg="modSp add">
-        <pc:chgData name="Jamey Johnston" userId="4930901e9435c751" providerId="LiveId" clId="{CA6972B3-6DC2-4218-9A9D-A9AF57148494}" dt="2017-10-02T19:58:38.219" v="5923" actId="313"/>
-        <pc:sldMkLst>
-          <pc:docMk/>
-          <pc:sldMk cId="2717083252" sldId="378"/>
-        </pc:sldMkLst>
-        <pc:spChg chg="mod">
-          <ac:chgData name="Jamey Johnston" userId="4930901e9435c751" providerId="LiveId" clId="{CA6972B3-6DC2-4218-9A9D-A9AF57148494}" dt="2017-10-02T19:58:38.219" v="5923" actId="313"/>
-          <ac:spMkLst>
-            <pc:docMk/>
-            <pc:sldMk cId="2717083252" sldId="378"/>
-            <ac:spMk id="47" creationId="{00000000-0000-0000-0000-000000000000}"/>
-          </ac:spMkLst>
-        </pc:spChg>
-      </pc:sldChg>
-      <pc:sldChg chg="modSp add">
-        <pc:chgData name="Jamey Johnston" userId="4930901e9435c751" providerId="LiveId" clId="{CA6972B3-6DC2-4218-9A9D-A9AF57148494}" dt="2017-10-02T20:14:23.875" v="6330" actId="20577"/>
-        <pc:sldMkLst>
-          <pc:docMk/>
-          <pc:sldMk cId="1546144669" sldId="379"/>
-        </pc:sldMkLst>
-        <pc:spChg chg="mod">
-          <ac:chgData name="Jamey Johnston" userId="4930901e9435c751" providerId="LiveId" clId="{CA6972B3-6DC2-4218-9A9D-A9AF57148494}" dt="2017-10-02T20:13:07.136" v="6179" actId="20577"/>
-          <ac:spMkLst>
-            <pc:docMk/>
-            <pc:sldMk cId="1546144669" sldId="379"/>
-            <ac:spMk id="5" creationId="{C62CF10E-C07E-4265-8DA1-F6DA48597877}"/>
-          </ac:spMkLst>
-        </pc:spChg>
-        <pc:spChg chg="mod">
-          <ac:chgData name="Jamey Johnston" userId="4930901e9435c751" providerId="LiveId" clId="{CA6972B3-6DC2-4218-9A9D-A9AF57148494}" dt="2017-10-02T20:13:15.121" v="6215" actId="20577"/>
-          <ac:spMkLst>
-            <pc:docMk/>
-            <pc:sldMk cId="1546144669" sldId="379"/>
-            <ac:spMk id="6" creationId="{30AC6F54-0184-4052-8C4C-6F0600789536}"/>
-          </ac:spMkLst>
-        </pc:spChg>
-        <pc:spChg chg="mod">
-          <ac:chgData name="Jamey Johnston" userId="4930901e9435c751" providerId="LiveId" clId="{CA6972B3-6DC2-4218-9A9D-A9AF57148494}" dt="2017-10-02T20:14:19.323" v="6327" actId="20577"/>
-          <ac:spMkLst>
-            <pc:docMk/>
-            <pc:sldMk cId="1546144669" sldId="379"/>
-            <ac:spMk id="7" creationId="{3F3A2AB6-D863-402D-8E1C-65DC4BF22A47}"/>
-          </ac:spMkLst>
-        </pc:spChg>
-        <pc:spChg chg="mod">
-          <ac:chgData name="Jamey Johnston" userId="4930901e9435c751" providerId="LiveId" clId="{CA6972B3-6DC2-4218-9A9D-A9AF57148494}" dt="2017-10-02T20:14:23.875" v="6330" actId="20577"/>
-          <ac:spMkLst>
-            <pc:docMk/>
-            <pc:sldMk cId="1546144669" sldId="379"/>
-            <ac:spMk id="8" creationId="{30593253-29FA-4968-B192-345F18CC0B7B}"/>
-          </ac:spMkLst>
-        </pc:spChg>
-        <pc:spChg chg="mod">
-          <ac:chgData name="Jamey Johnston" userId="4930901e9435c751" providerId="LiveId" clId="{CA6972B3-6DC2-4218-9A9D-A9AF57148494}" dt="2017-10-02T20:07:41.534" v="6165" actId="20577"/>
-          <ac:spMkLst>
-            <pc:docMk/>
-            <pc:sldMk cId="1546144669" sldId="379"/>
-            <ac:spMk id="46" creationId="{00000000-0000-0000-0000-000000000000}"/>
-          </ac:spMkLst>
-        </pc:spChg>
-        <pc:spChg chg="mod">
-          <ac:chgData name="Jamey Johnston" userId="4930901e9435c751" providerId="LiveId" clId="{CA6972B3-6DC2-4218-9A9D-A9AF57148494}" dt="2017-10-02T20:07:44.238" v="6166" actId="20577"/>
-          <ac:spMkLst>
-            <pc:docMk/>
-            <pc:sldMk cId="1546144669" sldId="379"/>
-            <ac:spMk id="47" creationId="{00000000-0000-0000-0000-000000000000}"/>
-          </ac:spMkLst>
-        </pc:spChg>
-      </pc:sldChg>
-      <pc:sldChg chg="addSp delSp modSp add">
-        <pc:chgData name="Jamey Johnston" userId="4930901e9435c751" providerId="LiveId" clId="{CA6972B3-6DC2-4218-9A9D-A9AF57148494}" dt="2017-10-02T20:59:40.735" v="7141" actId="313"/>
-        <pc:sldMkLst>
-          <pc:docMk/>
-          <pc:sldMk cId="3471658902" sldId="380"/>
-        </pc:sldMkLst>
-        <pc:spChg chg="add del mod">
-          <ac:chgData name="Jamey Johnston" userId="4930901e9435c751" providerId="LiveId" clId="{CA6972B3-6DC2-4218-9A9D-A9AF57148494}" dt="2017-10-02T20:50:39.336" v="6374" actId="478"/>
-          <ac:spMkLst>
-            <pc:docMk/>
-            <pc:sldMk cId="3471658902" sldId="380"/>
-            <ac:spMk id="3" creationId="{4044EEF2-EA6A-41E9-90F0-3EEDF7067ADB}"/>
-          </ac:spMkLst>
-        </pc:spChg>
-        <pc:spChg chg="mod">
-          <ac:chgData name="Jamey Johnston" userId="4930901e9435c751" providerId="LiveId" clId="{CA6972B3-6DC2-4218-9A9D-A9AF57148494}" dt="2017-10-02T20:50:31.715" v="6372" actId="20577"/>
-          <ac:spMkLst>
-            <pc:docMk/>
-            <pc:sldMk cId="3471658902" sldId="380"/>
-            <ac:spMk id="46" creationId="{00000000-0000-0000-0000-000000000000}"/>
-          </ac:spMkLst>
-        </pc:spChg>
-        <pc:spChg chg="del">
-          <ac:chgData name="Jamey Johnston" userId="4930901e9435c751" providerId="LiveId" clId="{CA6972B3-6DC2-4218-9A9D-A9AF57148494}" dt="2017-10-02T20:50:36.834" v="6373" actId="478"/>
-          <ac:spMkLst>
-            <pc:docMk/>
-            <pc:sldMk cId="3471658902" sldId="380"/>
-            <ac:spMk id="47" creationId="{00000000-0000-0000-0000-000000000000}"/>
-          </ac:spMkLst>
-        </pc:spChg>
-        <pc:graphicFrameChg chg="add mod modGraphic">
-          <ac:chgData name="Jamey Johnston" userId="4930901e9435c751" providerId="LiveId" clId="{CA6972B3-6DC2-4218-9A9D-A9AF57148494}" dt="2017-10-02T20:59:40.735" v="7141" actId="313"/>
-          <ac:graphicFrameMkLst>
-            <pc:docMk/>
-            <pc:sldMk cId="3471658902" sldId="380"/>
-            <ac:graphicFrameMk id="7" creationId="{7ACBF97A-74A4-4771-BE46-ADDD2A6A6E22}"/>
-          </ac:graphicFrameMkLst>
-        </pc:graphicFrameChg>
-      </pc:sldChg>
-      <pc:sldChg chg="addSp delSp modSp add">
-        <pc:chgData name="Jamey Johnston" userId="4930901e9435c751" providerId="LiveId" clId="{CA6972B3-6DC2-4218-9A9D-A9AF57148494}" dt="2017-11-03T18:13:44.918" v="7469" actId="20577"/>
-        <pc:sldMkLst>
-          <pc:docMk/>
-          <pc:sldMk cId="457731653" sldId="381"/>
-        </pc:sldMkLst>
-        <pc:spChg chg="add del mod">
-          <ac:chgData name="Jamey Johnston" userId="4930901e9435c751" providerId="LiveId" clId="{CA6972B3-6DC2-4218-9A9D-A9AF57148494}" dt="2017-11-03T18:11:58.445" v="7387" actId="20577"/>
-          <ac:spMkLst>
-            <pc:docMk/>
-            <pc:sldMk cId="457731653" sldId="381"/>
-            <ac:spMk id="2" creationId="{935E490D-0D41-4762-89D9-9923D2AF4ED9}"/>
-          </ac:spMkLst>
-        </pc:spChg>
-        <pc:spChg chg="add del">
-          <ac:chgData name="Jamey Johnston" userId="4930901e9435c751" providerId="LiveId" clId="{CA6972B3-6DC2-4218-9A9D-A9AF57148494}" dt="2017-11-03T18:13:03.343" v="7433" actId="20577"/>
-          <ac:spMkLst>
-            <pc:docMk/>
-            <pc:sldMk cId="457731653" sldId="381"/>
-            <ac:spMk id="3" creationId="{03D7ECAB-0E08-4F99-BDA0-18912AB62450}"/>
-          </ac:spMkLst>
-        </pc:spChg>
-        <pc:spChg chg="mod">
-          <ac:chgData name="Jamey Johnston" userId="4930901e9435c751" providerId="LiveId" clId="{CA6972B3-6DC2-4218-9A9D-A9AF57148494}" dt="2017-11-03T18:13:21.337" v="7438" actId="20577"/>
-          <ac:spMkLst>
-            <pc:docMk/>
-            <pc:sldMk cId="457731653" sldId="381"/>
-            <ac:spMk id="5" creationId="{18CAE5D0-13B9-4F88-9639-A3E69184EB4A}"/>
-          </ac:spMkLst>
-        </pc:spChg>
-        <pc:spChg chg="mod">
-          <ac:chgData name="Jamey Johnston" userId="4930901e9435c751" providerId="LiveId" clId="{CA6972B3-6DC2-4218-9A9D-A9AF57148494}" dt="2017-11-03T18:13:44.918" v="7469" actId="20577"/>
-          <ac:spMkLst>
-            <pc:docMk/>
-            <pc:sldMk cId="457731653" sldId="381"/>
-            <ac:spMk id="6" creationId="{C1E8EA70-9D22-4E0C-82C8-0033174BC94C}"/>
-          </ac:spMkLst>
-        </pc:spChg>
-        <pc:spChg chg="mod">
-          <ac:chgData name="Jamey Johnston" userId="4930901e9435c751" providerId="LiveId" clId="{CA6972B3-6DC2-4218-9A9D-A9AF57148494}" dt="2017-11-03T18:11:40.545" v="7341" actId="20577"/>
-          <ac:spMkLst>
-            <pc:docMk/>
-            <pc:sldMk cId="457731653" sldId="381"/>
-            <ac:spMk id="38" creationId="{00000000-0000-0000-0000-000000000000}"/>
-          </ac:spMkLst>
-        </pc:spChg>
-        <pc:spChg chg="add del mod">
-          <ac:chgData name="Jamey Johnston" userId="4930901e9435c751" providerId="LiveId" clId="{CA6972B3-6DC2-4218-9A9D-A9AF57148494}" dt="2017-11-03T18:12:15.557" v="7398" actId="20577"/>
-          <ac:spMkLst>
-            <pc:docMk/>
-            <pc:sldMk cId="457731653" sldId="381"/>
-            <ac:spMk id="46" creationId="{00000000-0000-0000-0000-000000000000}"/>
-          </ac:spMkLst>
-        </pc:spChg>
-        <pc:spChg chg="mod">
-          <ac:chgData name="Jamey Johnston" userId="4930901e9435c751" providerId="LiveId" clId="{CA6972B3-6DC2-4218-9A9D-A9AF57148494}" dt="2017-11-03T18:12:35.387" v="7419" actId="20577"/>
-          <ac:spMkLst>
-            <pc:docMk/>
-            <pc:sldMk cId="457731653" sldId="381"/>
-            <ac:spMk id="47" creationId="{00000000-0000-0000-0000-000000000000}"/>
-          </ac:spMkLst>
-        </pc:spChg>
-      </pc:sldChg>
-      <pc:sldChg chg="modSp add del">
-        <pc:chgData name="Jamey Johnston" userId="4930901e9435c751" providerId="LiveId" clId="{CA6972B3-6DC2-4218-9A9D-A9AF57148494}" dt="2017-11-03T18:10:54.491" v="7326" actId="2696"/>
-        <pc:sldMkLst>
-          <pc:docMk/>
-          <pc:sldMk cId="3088830746" sldId="381"/>
-        </pc:sldMkLst>
-        <pc:spChg chg="mod">
-          <ac:chgData name="Jamey Johnston" userId="4930901e9435c751" providerId="LiveId" clId="{CA6972B3-6DC2-4218-9A9D-A9AF57148494}" dt="2017-11-03T18:10:49.705" v="7325" actId="1076"/>
-          <ac:spMkLst>
-            <pc:docMk/>
-            <pc:sldMk cId="3088830746" sldId="381"/>
-            <ac:spMk id="8" creationId="{15E022C8-E7F5-4C21-96FC-8DEE313D1047}"/>
-          </ac:spMkLst>
-        </pc:spChg>
-        <pc:spChg chg="mod">
-          <ac:chgData name="Jamey Johnston" userId="4930901e9435c751" providerId="LiveId" clId="{CA6972B3-6DC2-4218-9A9D-A9AF57148494}" dt="2017-11-03T18:09:54.770" v="7297" actId="20577"/>
-          <ac:spMkLst>
-            <pc:docMk/>
-            <pc:sldMk cId="3088830746" sldId="381"/>
-            <ac:spMk id="38" creationId="{00000000-0000-0000-0000-000000000000}"/>
-          </ac:spMkLst>
-        </pc:spChg>
-        <pc:spChg chg="mod">
-          <ac:chgData name="Jamey Johnston" userId="4930901e9435c751" providerId="LiveId" clId="{CA6972B3-6DC2-4218-9A9D-A9AF57148494}" dt="2017-11-03T18:10:46.767" v="7321" actId="6549"/>
-          <ac:spMkLst>
-            <pc:docMk/>
-            <pc:sldMk cId="3088830746" sldId="381"/>
-            <ac:spMk id="46" creationId="{00000000-0000-0000-0000-000000000000}"/>
-          </ac:spMkLst>
-        </pc:spChg>
-      </pc:sldChg>
-      <pc:sldChg chg="delSp modSp add">
-        <pc:chgData name="Jamey Johnston" userId="4930901e9435c751" providerId="LiveId" clId="{CA6972B3-6DC2-4218-9A9D-A9AF57148494}" dt="2017-11-03T18:17:19.252" v="7558" actId="478"/>
-        <pc:sldMkLst>
-          <pc:docMk/>
-          <pc:sldMk cId="793710768" sldId="382"/>
-        </pc:sldMkLst>
-        <pc:spChg chg="del mod">
-          <ac:chgData name="Jamey Johnston" userId="4930901e9435c751" providerId="LiveId" clId="{CA6972B3-6DC2-4218-9A9D-A9AF57148494}" dt="2017-11-03T18:17:19.252" v="7558" actId="478"/>
-          <ac:spMkLst>
-            <pc:docMk/>
-            <pc:sldMk cId="793710768" sldId="382"/>
-            <ac:spMk id="5" creationId="{18CAE5D0-13B9-4F88-9639-A3E69184EB4A}"/>
-          </ac:spMkLst>
-        </pc:spChg>
-        <pc:spChg chg="del">
-          <ac:chgData name="Jamey Johnston" userId="4930901e9435c751" providerId="LiveId" clId="{CA6972B3-6DC2-4218-9A9D-A9AF57148494}" dt="2017-11-03T18:17:16.740" v="7557" actId="478"/>
-          <ac:spMkLst>
-            <pc:docMk/>
-            <pc:sldMk cId="793710768" sldId="382"/>
-            <ac:spMk id="6" creationId="{C1E8EA70-9D22-4E0C-82C8-0033174BC94C}"/>
-          </ac:spMkLst>
-        </pc:spChg>
-        <pc:spChg chg="mod">
-          <ac:chgData name="Jamey Johnston" userId="4930901e9435c751" providerId="LiveId" clId="{CA6972B3-6DC2-4218-9A9D-A9AF57148494}" dt="2017-11-03T18:14:53.494" v="7530" actId="20577"/>
-          <ac:spMkLst>
-            <pc:docMk/>
-            <pc:sldMk cId="793710768" sldId="382"/>
-            <ac:spMk id="38" creationId="{00000000-0000-0000-0000-000000000000}"/>
-          </ac:spMkLst>
-        </pc:spChg>
-        <pc:spChg chg="mod">
-          <ac:chgData name="Jamey Johnston" userId="4930901e9435c751" providerId="LiveId" clId="{CA6972B3-6DC2-4218-9A9D-A9AF57148494}" dt="2017-11-03T18:14:25.918" v="7472" actId="478"/>
-          <ac:spMkLst>
-            <pc:docMk/>
-            <pc:sldMk cId="793710768" sldId="382"/>
-            <ac:spMk id="46" creationId="{00000000-0000-0000-0000-000000000000}"/>
-          </ac:spMkLst>
-        </pc:spChg>
-        <pc:spChg chg="mod">
-          <ac:chgData name="Jamey Johnston" userId="4930901e9435c751" providerId="LiveId" clId="{CA6972B3-6DC2-4218-9A9D-A9AF57148494}" dt="2017-11-03T18:14:59.590" v="7554" actId="20577"/>
-          <ac:spMkLst>
-            <pc:docMk/>
-            <pc:sldMk cId="793710768" sldId="382"/>
-            <ac:spMk id="47" creationId="{00000000-0000-0000-0000-000000000000}"/>
-          </ac:spMkLst>
-        </pc:spChg>
       </pc:sldChg>
     </pc:docChg>
+  </pc:docChgLst>
+  <pc:docChgLst>
+    <pc:chgData name="Jamey Johnston" userId="4930901e9435c751" providerId="LiveId" clId="{CA6972B3-6DC2-4218-9A9D-A9AF57148494}"/>
   </pc:docChgLst>
 </pc:chgInfo>
 </file>
@@ -2331,7 +390,7 @@
           <a:p>
             <a:fld id="{2FDEA226-1950-9346-BBCC-45D214247BC3}" type="datetimeFigureOut">
               <a:rPr lang="en-US" smtClean="0"/>
-              <a:t>11/3/2017</a:t>
+              <a:t>8/11/2018</a:t>
             </a:fld>
             <a:endParaRPr lang="en-US" dirty="0"/>
           </a:p>
@@ -2431,7 +490,7 @@
           <a:p>
             <a:fld id="{A76353FC-0869-45D3-95AF-CC29198471C2}" type="datetimeFigureOut">
               <a:rPr lang="en-US" smtClean="0"/>
-              <a:t>11/3/2017</a:t>
+              <a:t>8/11/2018</a:t>
             </a:fld>
             <a:endParaRPr lang="en-US" dirty="0"/>
           </a:p>
@@ -19944,8 +18003,13 @@
           <a:p>
             <a:r>
               <a:rPr lang="en-US" dirty="0"/>
-              <a:t>Retrieve Key/Value of List in Loop, Sorted by Key</a:t>
-            </a:r>
+              <a:t>Retrieve Key/Value of List in Loop, Sorted by Item </a:t>
+            </a:r>
+            <a:r>
+              <a:rPr lang="en-US" sz="1800" dirty="0"/>
+              <a:t>(year)</a:t>
+            </a:r>
+            <a:endParaRPr lang="en-US" dirty="0"/>
           </a:p>
         </p:txBody>
       </p:sp>
